--- a/SEAS 8515/Project 3/SEAS8515_PROJECT3_Wacey.pptx
+++ b/SEAS 8515/Project 3/SEAS8515_PROJECT3_Wacey.pptx
@@ -5,19 +5,21 @@
     <p:sldMasterId id="2147483648" r:id="rId4"/>
   </p:sldMasterIdLst>
   <p:notesMasterIdLst>
-    <p:notesMasterId r:id="rId12"/>
+    <p:notesMasterId r:id="rId14"/>
   </p:notesMasterIdLst>
   <p:handoutMasterIdLst>
-    <p:handoutMasterId r:id="rId13"/>
+    <p:handoutMasterId r:id="rId15"/>
   </p:handoutMasterIdLst>
   <p:sldIdLst>
     <p:sldId id="256" r:id="rId5"/>
     <p:sldId id="304" r:id="rId6"/>
     <p:sldId id="305" r:id="rId7"/>
     <p:sldId id="306" r:id="rId8"/>
-    <p:sldId id="307" r:id="rId9"/>
-    <p:sldId id="308" r:id="rId10"/>
-    <p:sldId id="285" r:id="rId11"/>
+    <p:sldId id="310" r:id="rId9"/>
+    <p:sldId id="311" r:id="rId10"/>
+    <p:sldId id="308" r:id="rId11"/>
+    <p:sldId id="309" r:id="rId12"/>
+    <p:sldId id="285" r:id="rId13"/>
   </p:sldIdLst>
   <p:sldSz cx="12192000" cy="6858000"/>
   <p:notesSz cx="6858000" cy="9144000"/>
@@ -260,7 +262,7 @@
           <a:p>
             <a:fld id="{6E5C0719-993D-42E1-80ED-8F01056F36C2}" type="datetimeFigureOut">
               <a:rPr lang="en-US" smtClean="0"/>
-              <a:t>5/15/2024</a:t>
+              <a:t>5/18/2024</a:t>
             </a:fld>
             <a:endParaRPr lang="en-US" dirty="0"/>
           </a:p>
@@ -437,7 +439,7 @@
           <a:p>
             <a:fld id="{21D3BC9C-6C58-464F-B94E-FD73C5FB016E}" type="datetimeFigureOut">
               <a:rPr lang="en-US" smtClean="0"/>
-              <a:t>5/15/2024</a:t>
+              <a:t>5/18/2024</a:t>
             </a:fld>
             <a:endParaRPr lang="en-US" dirty="0"/>
           </a:p>
@@ -853,7 +855,7 @@
           <a:p>
             <a:fld id="{BE60DC36-8EFA-4378-9855-E019C55AC472}" type="slidenum">
               <a:rPr lang="en-US" smtClean="0"/>
-              <a:t>7</a:t>
+              <a:t>9</a:t>
             </a:fld>
             <a:endParaRPr lang="en-US" dirty="0"/>
           </a:p>
@@ -1019,7 +1021,7 @@
           <a:p>
             <a:fld id="{40DA1498-92C7-4E4B-8045-C9195F453964}" type="datetimeFigureOut">
               <a:rPr lang="en-US" smtClean="0"/>
-              <a:t>5/15/2024</a:t>
+              <a:t>5/18/2024</a:t>
             </a:fld>
             <a:endParaRPr lang="en-US" dirty="0"/>
           </a:p>
@@ -1217,7 +1219,7 @@
           <a:p>
             <a:fld id="{40DA1498-92C7-4E4B-8045-C9195F453964}" type="datetimeFigureOut">
               <a:rPr lang="en-US" smtClean="0"/>
-              <a:t>5/15/2024</a:t>
+              <a:t>5/18/2024</a:t>
             </a:fld>
             <a:endParaRPr lang="en-US" dirty="0"/>
           </a:p>
@@ -1425,7 +1427,7 @@
           <a:p>
             <a:fld id="{40DA1498-92C7-4E4B-8045-C9195F453964}" type="datetimeFigureOut">
               <a:rPr lang="en-US" smtClean="0"/>
-              <a:t>5/15/2024</a:t>
+              <a:t>5/18/2024</a:t>
             </a:fld>
             <a:endParaRPr lang="en-US" dirty="0"/>
           </a:p>
@@ -1623,7 +1625,7 @@
           <a:p>
             <a:fld id="{40DA1498-92C7-4E4B-8045-C9195F453964}" type="datetimeFigureOut">
               <a:rPr lang="en-US" smtClean="0"/>
-              <a:t>5/15/2024</a:t>
+              <a:t>5/18/2024</a:t>
             </a:fld>
             <a:endParaRPr lang="en-US" dirty="0"/>
           </a:p>
@@ -1898,7 +1900,7 @@
           <a:p>
             <a:fld id="{40DA1498-92C7-4E4B-8045-C9195F453964}" type="datetimeFigureOut">
               <a:rPr lang="en-US" smtClean="0"/>
-              <a:t>5/15/2024</a:t>
+              <a:t>5/18/2024</a:t>
             </a:fld>
             <a:endParaRPr lang="en-US" dirty="0"/>
           </a:p>
@@ -2163,7 +2165,7 @@
           <a:p>
             <a:fld id="{40DA1498-92C7-4E4B-8045-C9195F453964}" type="datetimeFigureOut">
               <a:rPr lang="en-US" smtClean="0"/>
-              <a:t>5/15/2024</a:t>
+              <a:t>5/18/2024</a:t>
             </a:fld>
             <a:endParaRPr lang="en-US" dirty="0"/>
           </a:p>
@@ -2575,7 +2577,7 @@
           <a:p>
             <a:fld id="{40DA1498-92C7-4E4B-8045-C9195F453964}" type="datetimeFigureOut">
               <a:rPr lang="en-US" smtClean="0"/>
-              <a:t>5/15/2024</a:t>
+              <a:t>5/18/2024</a:t>
             </a:fld>
             <a:endParaRPr lang="en-US" dirty="0"/>
           </a:p>
@@ -2716,7 +2718,7 @@
           <a:p>
             <a:fld id="{40DA1498-92C7-4E4B-8045-C9195F453964}" type="datetimeFigureOut">
               <a:rPr lang="en-US" smtClean="0"/>
-              <a:t>5/15/2024</a:t>
+              <a:t>5/18/2024</a:t>
             </a:fld>
             <a:endParaRPr lang="en-US" dirty="0"/>
           </a:p>
@@ -2829,7 +2831,7 @@
           <a:p>
             <a:fld id="{40DA1498-92C7-4E4B-8045-C9195F453964}" type="datetimeFigureOut">
               <a:rPr lang="en-US" smtClean="0"/>
-              <a:t>5/15/2024</a:t>
+              <a:t>5/18/2024</a:t>
             </a:fld>
             <a:endParaRPr lang="en-US" dirty="0"/>
           </a:p>
@@ -3140,7 +3142,7 @@
           <a:p>
             <a:fld id="{40DA1498-92C7-4E4B-8045-C9195F453964}" type="datetimeFigureOut">
               <a:rPr lang="en-US" smtClean="0"/>
-              <a:t>5/15/2024</a:t>
+              <a:t>5/18/2024</a:t>
             </a:fld>
             <a:endParaRPr lang="en-US" dirty="0"/>
           </a:p>
@@ -3432,7 +3434,7 @@
           <a:p>
             <a:fld id="{40DA1498-92C7-4E4B-8045-C9195F453964}" type="datetimeFigureOut">
               <a:rPr lang="en-US" smtClean="0"/>
-              <a:t>5/15/2024</a:t>
+              <a:t>5/18/2024</a:t>
             </a:fld>
             <a:endParaRPr lang="en-US" dirty="0"/>
           </a:p>
@@ -3673,7 +3675,7 @@
           <a:p>
             <a:fld id="{40DA1498-92C7-4E4B-8045-C9195F453964}" type="datetimeFigureOut">
               <a:rPr lang="en-US" smtClean="0"/>
-              <a:t>5/15/2024</a:t>
+              <a:t>5/18/2024</a:t>
             </a:fld>
             <a:endParaRPr lang="en-US" dirty="0"/>
           </a:p>
@@ -5667,7 +5669,7 @@
         <p:spPr/>
         <p:txBody>
           <a:bodyPr>
-            <a:normAutofit fontScale="92500" lnSpcReduction="20000"/>
+            <a:normAutofit/>
           </a:bodyPr>
           <a:lstStyle/>
           <a:p>
@@ -5687,35 +5689,7 @@
             <a:pPr lvl="1"/>
             <a:r>
               <a:rPr lang="en-US" dirty="0"/>
-              <a:t>Exploring the Return on Investment (ROI) of Different Colleges:</a:t>
-            </a:r>
-          </a:p>
-          <a:p>
-            <a:pPr lvl="2"/>
-            <a:r>
-              <a:rPr lang="en-US" dirty="0"/>
-              <a:t>Analyze the relationship between a college's cost (net price) and the average graduate's salary 10 years after graduation (median earnings).</a:t>
-            </a:r>
-          </a:p>
-          <a:p>
-            <a:pPr lvl="2"/>
-            <a:r>
-              <a:rPr lang="en-US" dirty="0"/>
-              <a:t>Group colleges by major or program type and compare the ROI for different fields of study.</a:t>
-            </a:r>
-          </a:p>
-          <a:p>
-            <a:pPr lvl="2"/>
-            <a:r>
-              <a:rPr lang="en-US" dirty="0"/>
-              <a:t>Identify colleges with a high ROI, considering factors like net price, graduation rates, and loan repayment rates.</a:t>
-            </a:r>
-          </a:p>
-          <a:p>
-            <a:pPr lvl="2"/>
-            <a:r>
-              <a:rPr lang="en-US" dirty="0"/>
-              <a:t>Develop a model to predict future earnings based on college characteristics like selectivity, location, and program offerings.</a:t>
+              <a:t>Develop a model to predict future earnings based on college characteristics like admission rate, attendance cost, professor status, and professor pay.</a:t>
             </a:r>
           </a:p>
           <a:p>
@@ -5728,21 +5702,14 @@
             <a:pPr lvl="1"/>
             <a:r>
               <a:rPr lang="en-US" dirty="0"/>
-              <a:t>Find a data set to combine with the education data</a:t>
+              <a:t>Execute it as specified</a:t>
             </a:r>
           </a:p>
           <a:p>
             <a:pPr lvl="1"/>
             <a:r>
               <a:rPr lang="en-US" dirty="0"/>
-              <a:t>Load the data and find a common field to join on</a:t>
-            </a:r>
-          </a:p>
-          <a:p>
-            <a:pPr lvl="1"/>
-            <a:r>
-              <a:rPr lang="en-US" dirty="0"/>
-              <a:t>Analyze the results – depends on the data set that I find</a:t>
+              <a:t>I will need to make some adjustments since the data provided is not the same as the example in class</a:t>
             </a:r>
           </a:p>
         </p:txBody>
@@ -5800,7 +5767,7 @@
           <a:p>
             <a:r>
               <a:rPr lang="en-US" dirty="0"/>
-              <a:t>Documentation – Project 2A</a:t>
+              <a:t>Documentation – Project 3A</a:t>
             </a:r>
           </a:p>
         </p:txBody>
@@ -5824,83 +5791,38 @@
         <p:spPr/>
         <p:txBody>
           <a:bodyPr>
-            <a:normAutofit fontScale="62500" lnSpcReduction="20000"/>
+            <a:normAutofit/>
           </a:bodyPr>
           <a:lstStyle/>
           <a:p>
             <a:r>
               <a:rPr lang="en-US" dirty="0"/>
-              <a:t>I tried multiple museums before settling on the Frick in New York City</a:t>
+              <a:t>It took me considerable effort just to settle on the features that I would be using. The data set has many features and they are not easy to understand if you are not accustomed to the area.</a:t>
             </a:r>
           </a:p>
           <a:p>
             <a:r>
               <a:rPr lang="en-US" dirty="0"/>
-              <a:t>I could not find any sites that had JSON like the Harvard Museum</a:t>
-            </a:r>
-          </a:p>
-          <a:p>
+              <a:t>Once I had the variables selected, I had numerous issues with Spark, Python, etc.</a:t>
+            </a:r>
+          </a:p>
+          <a:p>
+            <a:pPr lvl="1"/>
             <a:r>
               <a:rPr lang="en-US" dirty="0"/>
-              <a:t>Several museums such as The Met had APIs but I felt that did not meet the criteria for screen scraping</a:t>
-            </a:r>
-          </a:p>
-          <a:p>
+              <a:t>The instance in data bricks would shut down after about ten minutes of non use – I reached out to them and it seems to have been fixed.</a:t>
+            </a:r>
+          </a:p>
+          <a:p>
+            <a:pPr lvl="1"/>
             <a:r>
               <a:rPr lang="en-US" dirty="0"/>
-              <a:t>Most sites required paging through the collection</a:t>
-            </a:r>
-          </a:p>
-          <a:p>
-            <a:r>
-              <a:rPr lang="en-US" dirty="0"/>
-              <a:t>The Frick had a system where the details for each item were on a separate web page and the pages were numbered from 1 to n</a:t>
-            </a:r>
-          </a:p>
-          <a:p>
-            <a:r>
-              <a:rPr lang="en-US" dirty="0"/>
-              <a:t>This seemed to be the best option</a:t>
-            </a:r>
-          </a:p>
-          <a:p>
-            <a:r>
-              <a:rPr lang="en-US" dirty="0"/>
-              <a:t>Interestingly, there was no department information that I could find</a:t>
-            </a:r>
-          </a:p>
-          <a:p>
-            <a:r>
-              <a:rPr lang="en-US" dirty="0"/>
-              <a:t>Finding each item on the page was tedious because they have encoded it in multiple layers of HTML, so it took analysis of the HTML to pull each item from the page</a:t>
-            </a:r>
-          </a:p>
-          <a:p>
-            <a:r>
-              <a:rPr lang="en-US" dirty="0"/>
-              <a:t>I pulled 500 items to test the analysis and came up with three questions:</a:t>
+              <a:t>The variables from the data set have spaces and special characters. For the most part they worked. But some programs gave unexpected errors. I eventually renamed them.</a:t>
             </a:r>
           </a:p>
           <a:p>
             <a:pPr lvl="1"/>
-            <a:r>
-              <a:rPr lang="en-US" dirty="0"/>
-              <a:t>How many items are there by each medium, e.g., paper, clay, etc.</a:t>
-            </a:r>
-          </a:p>
-          <a:p>
-            <a:pPr lvl="1"/>
-            <a:r>
-              <a:rPr lang="en-US" dirty="0"/>
-              <a:t>How many items are there by location. For the initial 500 they were all in ‘Not on Display’</a:t>
-            </a:r>
-          </a:p>
-          <a:p>
-            <a:pPr lvl="1"/>
-            <a:r>
-              <a:rPr lang="en-US" dirty="0"/>
-              <a:t>Split the tags and get counts by accession year for Paintings, Furniture, Sculpture, and All Items</a:t>
-            </a:r>
+            <a:endParaRPr lang="en-US" dirty="0"/>
           </a:p>
         </p:txBody>
       </p:sp>
@@ -5920,6 +5842,14 @@
 <file path=ppt/slides/slide4.xml><?xml version="1.0" encoding="utf-8"?>
 <p:sld xmlns:a="http://schemas.openxmlformats.org/drawingml/2006/main" xmlns:r="http://schemas.openxmlformats.org/officeDocument/2006/relationships" xmlns:p="http://schemas.openxmlformats.org/presentationml/2006/main">
   <p:cSld>
+    <p:bg>
+      <p:bgPr>
+        <a:solidFill>
+          <a:schemeClr val="bg1"/>
+        </a:solidFill>
+        <a:effectLst/>
+      </p:bgPr>
+    </p:bg>
     <p:spTree>
       <p:nvGrpSpPr>
         <p:cNvPr id="1" name=""/>
@@ -5934,6 +5864,66 @@
           <a:chExt cx="0" cy="0"/>
         </a:xfrm>
       </p:grpSpPr>
+      <p:sp useBgFill="1">
+        <p:nvSpPr>
+          <p:cNvPr id="1031" name="Rectangle 1030">
+            <a:extLst>
+              <a:ext uri="{FF2B5EF4-FFF2-40B4-BE49-F238E27FC236}">
+                <a16:creationId xmlns:a16="http://schemas.microsoft.com/office/drawing/2014/main" id="{45D37F4E-DDB4-456B-97E0-9937730A039F}"/>
+              </a:ext>
+              <a:ext uri="{C183D7F6-B498-43B3-948B-1728B52AA6E4}">
+                <adec:decorative xmlns:adec="http://schemas.microsoft.com/office/drawing/2017/decorative" val="1"/>
+              </a:ext>
+            </a:extLst>
+          </p:cNvPr>
+          <p:cNvSpPr>
+            <a:spLocks noGrp="1" noRot="1" noChangeAspect="1" noMove="1" noResize="1" noEditPoints="1" noAdjustHandles="1" noChangeArrowheads="1" noChangeShapeType="1" noTextEdit="1"/>
+          </p:cNvSpPr>
+          <p:nvPr>
+            <p:extLst>
+              <p:ext uri="{386F3935-93C4-4BCD-93E2-E3B085C9AB24}">
+                <p16:designElem xmlns:p16="http://schemas.microsoft.com/office/powerpoint/2015/main" val="1"/>
+              </p:ext>
+            </p:extLst>
+          </p:nvPr>
+        </p:nvSpPr>
+        <p:spPr>
+          <a:xfrm>
+            <a:off x="0" y="0"/>
+            <a:ext cx="12188952" cy="6858000"/>
+          </a:xfrm>
+          <a:prstGeom prst="rect">
+            <a:avLst/>
+          </a:prstGeom>
+          <a:ln>
+            <a:noFill/>
+          </a:ln>
+        </p:spPr>
+        <p:style>
+          <a:lnRef idx="2">
+            <a:schemeClr val="accent1">
+              <a:shade val="50000"/>
+            </a:schemeClr>
+          </a:lnRef>
+          <a:fillRef idx="1">
+            <a:schemeClr val="accent1"/>
+          </a:fillRef>
+          <a:effectRef idx="0">
+            <a:schemeClr val="accent1"/>
+          </a:effectRef>
+          <a:fontRef idx="minor">
+            <a:schemeClr val="lt1"/>
+          </a:fontRef>
+        </p:style>
+        <p:txBody>
+          <a:bodyPr rtlCol="0" anchor="ctr"/>
+          <a:lstStyle/>
+          <a:p>
+            <a:pPr algn="ctr"/>
+            <a:endParaRPr lang="en-US"/>
+          </a:p>
+        </p:txBody>
+      </p:sp>
       <p:sp>
         <p:nvSpPr>
           <p:cNvPr id="2" name="Title 1">
@@ -5950,15 +5940,684 @@
             <p:ph type="title"/>
           </p:nvPr>
         </p:nvSpPr>
-        <p:spPr/>
-        <p:txBody>
-          <a:bodyPr/>
+        <p:spPr>
+          <a:xfrm>
+            <a:off x="572493" y="238539"/>
+            <a:ext cx="11018520" cy="1434415"/>
+          </a:xfrm>
+        </p:spPr>
+        <p:txBody>
+          <a:bodyPr anchor="b">
+            <a:normAutofit/>
+          </a:bodyPr>
           <a:lstStyle/>
           <a:p>
             <a:r>
-              <a:rPr lang="en-US" dirty="0"/>
-              <a:t>Documentation – Project 2B</a:t>
-            </a:r>
+              <a:rPr lang="en-US" sz="5400" dirty="0"/>
+              <a:t>Report – Project 3A</a:t>
+            </a:r>
+          </a:p>
+        </p:txBody>
+      </p:sp>
+      <p:sp>
+        <p:nvSpPr>
+          <p:cNvPr id="1033" name="sketchy line">
+            <a:extLst>
+              <a:ext uri="{FF2B5EF4-FFF2-40B4-BE49-F238E27FC236}">
+                <a16:creationId xmlns:a16="http://schemas.microsoft.com/office/drawing/2014/main" id="{B2DD41CD-8F47-4F56-AD12-4E2FF7696987}"/>
+              </a:ext>
+              <a:ext uri="{C183D7F6-B498-43B3-948B-1728B52AA6E4}">
+                <adec:decorative xmlns:adec="http://schemas.microsoft.com/office/drawing/2017/decorative" val="1"/>
+              </a:ext>
+            </a:extLst>
+          </p:cNvPr>
+          <p:cNvSpPr>
+            <a:spLocks noGrp="1" noRot="1" noChangeAspect="1" noMove="1" noResize="1" noEditPoints="1" noAdjustHandles="1" noChangeArrowheads="1" noChangeShapeType="1" noTextEdit="1"/>
+          </p:cNvSpPr>
+          <p:nvPr>
+            <p:extLst>
+              <p:ext uri="{386F3935-93C4-4BCD-93E2-E3B085C9AB24}">
+                <p16:designElem xmlns:p16="http://schemas.microsoft.com/office/powerpoint/2015/main" val="1"/>
+              </p:ext>
+            </p:extLst>
+          </p:nvPr>
+        </p:nvSpPr>
+        <p:spPr>
+          <a:xfrm>
+            <a:off x="572493" y="1681544"/>
+            <a:ext cx="10972800" cy="18288"/>
+          </a:xfrm>
+          <a:custGeom>
+            <a:avLst/>
+            <a:gdLst>
+              <a:gd name="connsiteX0" fmla="*/ 0 w 10972800"/>
+              <a:gd name="connsiteY0" fmla="*/ 0 h 18288"/>
+              <a:gd name="connsiteX1" fmla="*/ 356616 w 10972800"/>
+              <a:gd name="connsiteY1" fmla="*/ 0 h 18288"/>
+              <a:gd name="connsiteX2" fmla="*/ 1042416 w 10972800"/>
+              <a:gd name="connsiteY2" fmla="*/ 0 h 18288"/>
+              <a:gd name="connsiteX3" fmla="*/ 1947672 w 10972800"/>
+              <a:gd name="connsiteY3" fmla="*/ 0 h 18288"/>
+              <a:gd name="connsiteX4" fmla="*/ 2633472 w 10972800"/>
+              <a:gd name="connsiteY4" fmla="*/ 0 h 18288"/>
+              <a:gd name="connsiteX5" fmla="*/ 2990088 w 10972800"/>
+              <a:gd name="connsiteY5" fmla="*/ 0 h 18288"/>
+              <a:gd name="connsiteX6" fmla="*/ 3456432 w 10972800"/>
+              <a:gd name="connsiteY6" fmla="*/ 0 h 18288"/>
+              <a:gd name="connsiteX7" fmla="*/ 4361688 w 10972800"/>
+              <a:gd name="connsiteY7" fmla="*/ 0 h 18288"/>
+              <a:gd name="connsiteX8" fmla="*/ 5266944 w 10972800"/>
+              <a:gd name="connsiteY8" fmla="*/ 0 h 18288"/>
+              <a:gd name="connsiteX9" fmla="*/ 6172200 w 10972800"/>
+              <a:gd name="connsiteY9" fmla="*/ 0 h 18288"/>
+              <a:gd name="connsiteX10" fmla="*/ 6528816 w 10972800"/>
+              <a:gd name="connsiteY10" fmla="*/ 0 h 18288"/>
+              <a:gd name="connsiteX11" fmla="*/ 7214616 w 10972800"/>
+              <a:gd name="connsiteY11" fmla="*/ 0 h 18288"/>
+              <a:gd name="connsiteX12" fmla="*/ 7790688 w 10972800"/>
+              <a:gd name="connsiteY12" fmla="*/ 0 h 18288"/>
+              <a:gd name="connsiteX13" fmla="*/ 8147304 w 10972800"/>
+              <a:gd name="connsiteY13" fmla="*/ 0 h 18288"/>
+              <a:gd name="connsiteX14" fmla="*/ 9052560 w 10972800"/>
+              <a:gd name="connsiteY14" fmla="*/ 0 h 18288"/>
+              <a:gd name="connsiteX15" fmla="*/ 9409176 w 10972800"/>
+              <a:gd name="connsiteY15" fmla="*/ 0 h 18288"/>
+              <a:gd name="connsiteX16" fmla="*/ 9765792 w 10972800"/>
+              <a:gd name="connsiteY16" fmla="*/ 0 h 18288"/>
+              <a:gd name="connsiteX17" fmla="*/ 10341864 w 10972800"/>
+              <a:gd name="connsiteY17" fmla="*/ 0 h 18288"/>
+              <a:gd name="connsiteX18" fmla="*/ 10972800 w 10972800"/>
+              <a:gd name="connsiteY18" fmla="*/ 0 h 18288"/>
+              <a:gd name="connsiteX19" fmla="*/ 10972800 w 10972800"/>
+              <a:gd name="connsiteY19" fmla="*/ 18288 h 18288"/>
+              <a:gd name="connsiteX20" fmla="*/ 10177272 w 10972800"/>
+              <a:gd name="connsiteY20" fmla="*/ 18288 h 18288"/>
+              <a:gd name="connsiteX21" fmla="*/ 9820656 w 10972800"/>
+              <a:gd name="connsiteY21" fmla="*/ 18288 h 18288"/>
+              <a:gd name="connsiteX22" fmla="*/ 9464040 w 10972800"/>
+              <a:gd name="connsiteY22" fmla="*/ 18288 h 18288"/>
+              <a:gd name="connsiteX23" fmla="*/ 8778240 w 10972800"/>
+              <a:gd name="connsiteY23" fmla="*/ 18288 h 18288"/>
+              <a:gd name="connsiteX24" fmla="*/ 8421624 w 10972800"/>
+              <a:gd name="connsiteY24" fmla="*/ 18288 h 18288"/>
+              <a:gd name="connsiteX25" fmla="*/ 7735824 w 10972800"/>
+              <a:gd name="connsiteY25" fmla="*/ 18288 h 18288"/>
+              <a:gd name="connsiteX26" fmla="*/ 6940296 w 10972800"/>
+              <a:gd name="connsiteY26" fmla="*/ 18288 h 18288"/>
+              <a:gd name="connsiteX27" fmla="*/ 6254496 w 10972800"/>
+              <a:gd name="connsiteY27" fmla="*/ 18288 h 18288"/>
+              <a:gd name="connsiteX28" fmla="*/ 5458968 w 10972800"/>
+              <a:gd name="connsiteY28" fmla="*/ 18288 h 18288"/>
+              <a:gd name="connsiteX29" fmla="*/ 4663440 w 10972800"/>
+              <a:gd name="connsiteY29" fmla="*/ 18288 h 18288"/>
+              <a:gd name="connsiteX30" fmla="*/ 4306824 w 10972800"/>
+              <a:gd name="connsiteY30" fmla="*/ 18288 h 18288"/>
+              <a:gd name="connsiteX31" fmla="*/ 3840480 w 10972800"/>
+              <a:gd name="connsiteY31" fmla="*/ 18288 h 18288"/>
+              <a:gd name="connsiteX32" fmla="*/ 3264408 w 10972800"/>
+              <a:gd name="connsiteY32" fmla="*/ 18288 h 18288"/>
+              <a:gd name="connsiteX33" fmla="*/ 2578608 w 10972800"/>
+              <a:gd name="connsiteY33" fmla="*/ 18288 h 18288"/>
+              <a:gd name="connsiteX34" fmla="*/ 1673352 w 10972800"/>
+              <a:gd name="connsiteY34" fmla="*/ 18288 h 18288"/>
+              <a:gd name="connsiteX35" fmla="*/ 877824 w 10972800"/>
+              <a:gd name="connsiteY35" fmla="*/ 18288 h 18288"/>
+              <a:gd name="connsiteX36" fmla="*/ 0 w 10972800"/>
+              <a:gd name="connsiteY36" fmla="*/ 18288 h 18288"/>
+              <a:gd name="connsiteX37" fmla="*/ 0 w 10972800"/>
+              <a:gd name="connsiteY37" fmla="*/ 0 h 18288"/>
+            </a:gdLst>
+            <a:ahLst/>
+            <a:cxnLst>
+              <a:cxn ang="0">
+                <a:pos x="connsiteX0" y="connsiteY0"/>
+              </a:cxn>
+              <a:cxn ang="0">
+                <a:pos x="connsiteX1" y="connsiteY1"/>
+              </a:cxn>
+              <a:cxn ang="0">
+                <a:pos x="connsiteX2" y="connsiteY2"/>
+              </a:cxn>
+              <a:cxn ang="0">
+                <a:pos x="connsiteX3" y="connsiteY3"/>
+              </a:cxn>
+              <a:cxn ang="0">
+                <a:pos x="connsiteX4" y="connsiteY4"/>
+              </a:cxn>
+              <a:cxn ang="0">
+                <a:pos x="connsiteX5" y="connsiteY5"/>
+              </a:cxn>
+              <a:cxn ang="0">
+                <a:pos x="connsiteX6" y="connsiteY6"/>
+              </a:cxn>
+              <a:cxn ang="0">
+                <a:pos x="connsiteX7" y="connsiteY7"/>
+              </a:cxn>
+              <a:cxn ang="0">
+                <a:pos x="connsiteX8" y="connsiteY8"/>
+              </a:cxn>
+              <a:cxn ang="0">
+                <a:pos x="connsiteX9" y="connsiteY9"/>
+              </a:cxn>
+              <a:cxn ang="0">
+                <a:pos x="connsiteX10" y="connsiteY10"/>
+              </a:cxn>
+              <a:cxn ang="0">
+                <a:pos x="connsiteX11" y="connsiteY11"/>
+              </a:cxn>
+              <a:cxn ang="0">
+                <a:pos x="connsiteX12" y="connsiteY12"/>
+              </a:cxn>
+              <a:cxn ang="0">
+                <a:pos x="connsiteX13" y="connsiteY13"/>
+              </a:cxn>
+              <a:cxn ang="0">
+                <a:pos x="connsiteX14" y="connsiteY14"/>
+              </a:cxn>
+              <a:cxn ang="0">
+                <a:pos x="connsiteX15" y="connsiteY15"/>
+              </a:cxn>
+              <a:cxn ang="0">
+                <a:pos x="connsiteX16" y="connsiteY16"/>
+              </a:cxn>
+              <a:cxn ang="0">
+                <a:pos x="connsiteX17" y="connsiteY17"/>
+              </a:cxn>
+              <a:cxn ang="0">
+                <a:pos x="connsiteX18" y="connsiteY18"/>
+              </a:cxn>
+              <a:cxn ang="0">
+                <a:pos x="connsiteX19" y="connsiteY19"/>
+              </a:cxn>
+              <a:cxn ang="0">
+                <a:pos x="connsiteX20" y="connsiteY20"/>
+              </a:cxn>
+              <a:cxn ang="0">
+                <a:pos x="connsiteX21" y="connsiteY21"/>
+              </a:cxn>
+              <a:cxn ang="0">
+                <a:pos x="connsiteX22" y="connsiteY22"/>
+              </a:cxn>
+              <a:cxn ang="0">
+                <a:pos x="connsiteX23" y="connsiteY23"/>
+              </a:cxn>
+              <a:cxn ang="0">
+                <a:pos x="connsiteX24" y="connsiteY24"/>
+              </a:cxn>
+              <a:cxn ang="0">
+                <a:pos x="connsiteX25" y="connsiteY25"/>
+              </a:cxn>
+              <a:cxn ang="0">
+                <a:pos x="connsiteX26" y="connsiteY26"/>
+              </a:cxn>
+              <a:cxn ang="0">
+                <a:pos x="connsiteX27" y="connsiteY27"/>
+              </a:cxn>
+              <a:cxn ang="0">
+                <a:pos x="connsiteX28" y="connsiteY28"/>
+              </a:cxn>
+              <a:cxn ang="0">
+                <a:pos x="connsiteX29" y="connsiteY29"/>
+              </a:cxn>
+              <a:cxn ang="0">
+                <a:pos x="connsiteX30" y="connsiteY30"/>
+              </a:cxn>
+              <a:cxn ang="0">
+                <a:pos x="connsiteX31" y="connsiteY31"/>
+              </a:cxn>
+              <a:cxn ang="0">
+                <a:pos x="connsiteX32" y="connsiteY32"/>
+              </a:cxn>
+              <a:cxn ang="0">
+                <a:pos x="connsiteX33" y="connsiteY33"/>
+              </a:cxn>
+              <a:cxn ang="0">
+                <a:pos x="connsiteX34" y="connsiteY34"/>
+              </a:cxn>
+              <a:cxn ang="0">
+                <a:pos x="connsiteX35" y="connsiteY35"/>
+              </a:cxn>
+              <a:cxn ang="0">
+                <a:pos x="connsiteX36" y="connsiteY36"/>
+              </a:cxn>
+              <a:cxn ang="0">
+                <a:pos x="connsiteX37" y="connsiteY37"/>
+              </a:cxn>
+            </a:cxnLst>
+            <a:rect l="l" t="t" r="r" b="b"/>
+            <a:pathLst>
+              <a:path w="10972800" h="18288" fill="none" extrusionOk="0">
+                <a:moveTo>
+                  <a:pt x="0" y="0"/>
+                </a:moveTo>
+                <a:cubicBezTo>
+                  <a:pt x="165916" y="-1866"/>
+                  <a:pt x="188720" y="13756"/>
+                  <a:pt x="356616" y="0"/>
+                </a:cubicBezTo>
+                <a:cubicBezTo>
+                  <a:pt x="524512" y="-13756"/>
+                  <a:pt x="734781" y="8922"/>
+                  <a:pt x="1042416" y="0"/>
+                </a:cubicBezTo>
+                <a:cubicBezTo>
+                  <a:pt x="1350051" y="-8922"/>
+                  <a:pt x="1595982" y="-26315"/>
+                  <a:pt x="1947672" y="0"/>
+                </a:cubicBezTo>
+                <a:cubicBezTo>
+                  <a:pt x="2299362" y="26315"/>
+                  <a:pt x="2292691" y="-19526"/>
+                  <a:pt x="2633472" y="0"/>
+                </a:cubicBezTo>
+                <a:cubicBezTo>
+                  <a:pt x="2974253" y="19526"/>
+                  <a:pt x="2857309" y="10773"/>
+                  <a:pt x="2990088" y="0"/>
+                </a:cubicBezTo>
+                <a:cubicBezTo>
+                  <a:pt x="3122867" y="-10773"/>
+                  <a:pt x="3359343" y="7194"/>
+                  <a:pt x="3456432" y="0"/>
+                </a:cubicBezTo>
+                <a:cubicBezTo>
+                  <a:pt x="3553521" y="-7194"/>
+                  <a:pt x="4136258" y="5108"/>
+                  <a:pt x="4361688" y="0"/>
+                </a:cubicBezTo>
+                <a:cubicBezTo>
+                  <a:pt x="4587118" y="-5108"/>
+                  <a:pt x="4992424" y="-42958"/>
+                  <a:pt x="5266944" y="0"/>
+                </a:cubicBezTo>
+                <a:cubicBezTo>
+                  <a:pt x="5541464" y="42958"/>
+                  <a:pt x="5882966" y="-3430"/>
+                  <a:pt x="6172200" y="0"/>
+                </a:cubicBezTo>
+                <a:cubicBezTo>
+                  <a:pt x="6461434" y="3430"/>
+                  <a:pt x="6432127" y="6688"/>
+                  <a:pt x="6528816" y="0"/>
+                </a:cubicBezTo>
+                <a:cubicBezTo>
+                  <a:pt x="6625505" y="-6688"/>
+                  <a:pt x="6916805" y="-436"/>
+                  <a:pt x="7214616" y="0"/>
+                </a:cubicBezTo>
+                <a:cubicBezTo>
+                  <a:pt x="7512427" y="436"/>
+                  <a:pt x="7626159" y="-6909"/>
+                  <a:pt x="7790688" y="0"/>
+                </a:cubicBezTo>
+                <a:cubicBezTo>
+                  <a:pt x="7955217" y="6909"/>
+                  <a:pt x="8048891" y="15307"/>
+                  <a:pt x="8147304" y="0"/>
+                </a:cubicBezTo>
+                <a:cubicBezTo>
+                  <a:pt x="8245717" y="-15307"/>
+                  <a:pt x="8645618" y="-11734"/>
+                  <a:pt x="9052560" y="0"/>
+                </a:cubicBezTo>
+                <a:cubicBezTo>
+                  <a:pt x="9459502" y="11734"/>
+                  <a:pt x="9320584" y="8388"/>
+                  <a:pt x="9409176" y="0"/>
+                </a:cubicBezTo>
+                <a:cubicBezTo>
+                  <a:pt x="9497768" y="-8388"/>
+                  <a:pt x="9644192" y="8379"/>
+                  <a:pt x="9765792" y="0"/>
+                </a:cubicBezTo>
+                <a:cubicBezTo>
+                  <a:pt x="9887392" y="-8379"/>
+                  <a:pt x="10105220" y="-12663"/>
+                  <a:pt x="10341864" y="0"/>
+                </a:cubicBezTo>
+                <a:cubicBezTo>
+                  <a:pt x="10578508" y="12663"/>
+                  <a:pt x="10773103" y="-5786"/>
+                  <a:pt x="10972800" y="0"/>
+                </a:cubicBezTo>
+                <a:cubicBezTo>
+                  <a:pt x="10972146" y="8818"/>
+                  <a:pt x="10972240" y="13823"/>
+                  <a:pt x="10972800" y="18288"/>
+                </a:cubicBezTo>
+                <a:cubicBezTo>
+                  <a:pt x="10588778" y="31598"/>
+                  <a:pt x="10543381" y="-12698"/>
+                  <a:pt x="10177272" y="18288"/>
+                </a:cubicBezTo>
+                <a:cubicBezTo>
+                  <a:pt x="9811163" y="49274"/>
+                  <a:pt x="9996817" y="25662"/>
+                  <a:pt x="9820656" y="18288"/>
+                </a:cubicBezTo>
+                <a:cubicBezTo>
+                  <a:pt x="9644495" y="10914"/>
+                  <a:pt x="9607007" y="31631"/>
+                  <a:pt x="9464040" y="18288"/>
+                </a:cubicBezTo>
+                <a:cubicBezTo>
+                  <a:pt x="9321073" y="4945"/>
+                  <a:pt x="9114189" y="28940"/>
+                  <a:pt x="8778240" y="18288"/>
+                </a:cubicBezTo>
+                <a:cubicBezTo>
+                  <a:pt x="8442291" y="7636"/>
+                  <a:pt x="8594763" y="987"/>
+                  <a:pt x="8421624" y="18288"/>
+                </a:cubicBezTo>
+                <a:cubicBezTo>
+                  <a:pt x="8248485" y="35589"/>
+                  <a:pt x="7929515" y="37573"/>
+                  <a:pt x="7735824" y="18288"/>
+                </a:cubicBezTo>
+                <a:cubicBezTo>
+                  <a:pt x="7542133" y="-997"/>
+                  <a:pt x="7252504" y="33858"/>
+                  <a:pt x="6940296" y="18288"/>
+                </a:cubicBezTo>
+                <a:cubicBezTo>
+                  <a:pt x="6628088" y="2718"/>
+                  <a:pt x="6528503" y="48389"/>
+                  <a:pt x="6254496" y="18288"/>
+                </a:cubicBezTo>
+                <a:cubicBezTo>
+                  <a:pt x="5980489" y="-11813"/>
+                  <a:pt x="5695784" y="-3740"/>
+                  <a:pt x="5458968" y="18288"/>
+                </a:cubicBezTo>
+                <a:cubicBezTo>
+                  <a:pt x="5222152" y="40316"/>
+                  <a:pt x="5010751" y="19095"/>
+                  <a:pt x="4663440" y="18288"/>
+                </a:cubicBezTo>
+                <a:cubicBezTo>
+                  <a:pt x="4316129" y="17481"/>
+                  <a:pt x="4425552" y="1606"/>
+                  <a:pt x="4306824" y="18288"/>
+                </a:cubicBezTo>
+                <a:cubicBezTo>
+                  <a:pt x="4188096" y="34970"/>
+                  <a:pt x="3941535" y="7481"/>
+                  <a:pt x="3840480" y="18288"/>
+                </a:cubicBezTo>
+                <a:cubicBezTo>
+                  <a:pt x="3739425" y="29095"/>
+                  <a:pt x="3402388" y="17641"/>
+                  <a:pt x="3264408" y="18288"/>
+                </a:cubicBezTo>
+                <a:cubicBezTo>
+                  <a:pt x="3126428" y="18935"/>
+                  <a:pt x="2776779" y="9983"/>
+                  <a:pt x="2578608" y="18288"/>
+                </a:cubicBezTo>
+                <a:cubicBezTo>
+                  <a:pt x="2380437" y="26593"/>
+                  <a:pt x="1909468" y="25818"/>
+                  <a:pt x="1673352" y="18288"/>
+                </a:cubicBezTo>
+                <a:cubicBezTo>
+                  <a:pt x="1437236" y="10758"/>
+                  <a:pt x="1131180" y="49884"/>
+                  <a:pt x="877824" y="18288"/>
+                </a:cubicBezTo>
+                <a:cubicBezTo>
+                  <a:pt x="624468" y="-13308"/>
+                  <a:pt x="206753" y="2195"/>
+                  <a:pt x="0" y="18288"/>
+                </a:cubicBezTo>
+                <a:cubicBezTo>
+                  <a:pt x="313" y="10654"/>
+                  <a:pt x="-263" y="4056"/>
+                  <a:pt x="0" y="0"/>
+                </a:cubicBezTo>
+                <a:close/>
+              </a:path>
+              <a:path w="10972800" h="18288" stroke="0" extrusionOk="0">
+                <a:moveTo>
+                  <a:pt x="0" y="0"/>
+                </a:moveTo>
+                <a:cubicBezTo>
+                  <a:pt x="164017" y="-17675"/>
+                  <a:pt x="309425" y="9913"/>
+                  <a:pt x="466344" y="0"/>
+                </a:cubicBezTo>
+                <a:cubicBezTo>
+                  <a:pt x="623263" y="-9913"/>
+                  <a:pt x="659300" y="-14524"/>
+                  <a:pt x="822960" y="0"/>
+                </a:cubicBezTo>
+                <a:cubicBezTo>
+                  <a:pt x="986620" y="14524"/>
+                  <a:pt x="1105222" y="-16481"/>
+                  <a:pt x="1289304" y="0"/>
+                </a:cubicBezTo>
+                <a:cubicBezTo>
+                  <a:pt x="1473386" y="16481"/>
+                  <a:pt x="1693223" y="26161"/>
+                  <a:pt x="1975104" y="0"/>
+                </a:cubicBezTo>
+                <a:cubicBezTo>
+                  <a:pt x="2256985" y="-26161"/>
+                  <a:pt x="2435781" y="23061"/>
+                  <a:pt x="2770632" y="0"/>
+                </a:cubicBezTo>
+                <a:cubicBezTo>
+                  <a:pt x="3105483" y="-23061"/>
+                  <a:pt x="3247479" y="-44011"/>
+                  <a:pt x="3675888" y="0"/>
+                </a:cubicBezTo>
+                <a:cubicBezTo>
+                  <a:pt x="4104297" y="44011"/>
+                  <a:pt x="4280918" y="4017"/>
+                  <a:pt x="4581144" y="0"/>
+                </a:cubicBezTo>
+                <a:cubicBezTo>
+                  <a:pt x="4881370" y="-4017"/>
+                  <a:pt x="5021699" y="-11889"/>
+                  <a:pt x="5157216" y="0"/>
+                </a:cubicBezTo>
+                <a:cubicBezTo>
+                  <a:pt x="5292733" y="11889"/>
+                  <a:pt x="5603398" y="-17698"/>
+                  <a:pt x="5952744" y="0"/>
+                </a:cubicBezTo>
+                <a:cubicBezTo>
+                  <a:pt x="6302090" y="17698"/>
+                  <a:pt x="6353093" y="-11909"/>
+                  <a:pt x="6638544" y="0"/>
+                </a:cubicBezTo>
+                <a:cubicBezTo>
+                  <a:pt x="6923995" y="11909"/>
+                  <a:pt x="7053404" y="21630"/>
+                  <a:pt x="7214616" y="0"/>
+                </a:cubicBezTo>
+                <a:cubicBezTo>
+                  <a:pt x="7375828" y="-21630"/>
+                  <a:pt x="7837963" y="3886"/>
+                  <a:pt x="8010144" y="0"/>
+                </a:cubicBezTo>
+                <a:cubicBezTo>
+                  <a:pt x="8182325" y="-3886"/>
+                  <a:pt x="8224183" y="16009"/>
+                  <a:pt x="8366760" y="0"/>
+                </a:cubicBezTo>
+                <a:cubicBezTo>
+                  <a:pt x="8509337" y="-16009"/>
+                  <a:pt x="8687920" y="-5720"/>
+                  <a:pt x="8942832" y="0"/>
+                </a:cubicBezTo>
+                <a:cubicBezTo>
+                  <a:pt x="9197744" y="5720"/>
+                  <a:pt x="9368437" y="20479"/>
+                  <a:pt x="9628632" y="0"/>
+                </a:cubicBezTo>
+                <a:cubicBezTo>
+                  <a:pt x="9888827" y="-20479"/>
+                  <a:pt x="10560858" y="-20746"/>
+                  <a:pt x="10972800" y="0"/>
+                </a:cubicBezTo>
+                <a:cubicBezTo>
+                  <a:pt x="10972186" y="5722"/>
+                  <a:pt x="10972980" y="12495"/>
+                  <a:pt x="10972800" y="18288"/>
+                </a:cubicBezTo>
+                <a:cubicBezTo>
+                  <a:pt x="10786146" y="12536"/>
+                  <a:pt x="10623717" y="14033"/>
+                  <a:pt x="10506456" y="18288"/>
+                </a:cubicBezTo>
+                <a:cubicBezTo>
+                  <a:pt x="10389195" y="22543"/>
+                  <a:pt x="10296178" y="20107"/>
+                  <a:pt x="10149840" y="18288"/>
+                </a:cubicBezTo>
+                <a:cubicBezTo>
+                  <a:pt x="10003502" y="16469"/>
+                  <a:pt x="9767530" y="28891"/>
+                  <a:pt x="9464040" y="18288"/>
+                </a:cubicBezTo>
+                <a:cubicBezTo>
+                  <a:pt x="9160550" y="7685"/>
+                  <a:pt x="9229050" y="2659"/>
+                  <a:pt x="8997696" y="18288"/>
+                </a:cubicBezTo>
+                <a:cubicBezTo>
+                  <a:pt x="8766342" y="33917"/>
+                  <a:pt x="8340136" y="34864"/>
+                  <a:pt x="8092440" y="18288"/>
+                </a:cubicBezTo>
+                <a:cubicBezTo>
+                  <a:pt x="7844744" y="1712"/>
+                  <a:pt x="7863720" y="27405"/>
+                  <a:pt x="7735824" y="18288"/>
+                </a:cubicBezTo>
+                <a:cubicBezTo>
+                  <a:pt x="7607928" y="9171"/>
+                  <a:pt x="7323619" y="461"/>
+                  <a:pt x="7050024" y="18288"/>
+                </a:cubicBezTo>
+                <a:cubicBezTo>
+                  <a:pt x="6776429" y="36115"/>
+                  <a:pt x="6787899" y="28206"/>
+                  <a:pt x="6693408" y="18288"/>
+                </a:cubicBezTo>
+                <a:cubicBezTo>
+                  <a:pt x="6598917" y="8370"/>
+                  <a:pt x="6395231" y="19114"/>
+                  <a:pt x="6227064" y="18288"/>
+                </a:cubicBezTo>
+                <a:cubicBezTo>
+                  <a:pt x="6058897" y="17462"/>
+                  <a:pt x="5618582" y="1091"/>
+                  <a:pt x="5431536" y="18288"/>
+                </a:cubicBezTo>
+                <a:cubicBezTo>
+                  <a:pt x="5244490" y="35485"/>
+                  <a:pt x="4729797" y="-9650"/>
+                  <a:pt x="4526280" y="18288"/>
+                </a:cubicBezTo>
+                <a:cubicBezTo>
+                  <a:pt x="4322763" y="46226"/>
+                  <a:pt x="4216797" y="756"/>
+                  <a:pt x="4059936" y="18288"/>
+                </a:cubicBezTo>
+                <a:cubicBezTo>
+                  <a:pt x="3903075" y="35820"/>
+                  <a:pt x="3537912" y="42098"/>
+                  <a:pt x="3374136" y="18288"/>
+                </a:cubicBezTo>
+                <a:cubicBezTo>
+                  <a:pt x="3210360" y="-5522"/>
+                  <a:pt x="3126842" y="39135"/>
+                  <a:pt x="2907792" y="18288"/>
+                </a:cubicBezTo>
+                <a:cubicBezTo>
+                  <a:pt x="2688742" y="-2559"/>
+                  <a:pt x="2490436" y="34100"/>
+                  <a:pt x="2112264" y="18288"/>
+                </a:cubicBezTo>
+                <a:cubicBezTo>
+                  <a:pt x="1734092" y="2476"/>
+                  <a:pt x="1744622" y="-7274"/>
+                  <a:pt x="1536192" y="18288"/>
+                </a:cubicBezTo>
+                <a:cubicBezTo>
+                  <a:pt x="1327762" y="43850"/>
+                  <a:pt x="1189025" y="6435"/>
+                  <a:pt x="1069848" y="18288"/>
+                </a:cubicBezTo>
+                <a:cubicBezTo>
+                  <a:pt x="950671" y="30141"/>
+                  <a:pt x="858345" y="33684"/>
+                  <a:pt x="713232" y="18288"/>
+                </a:cubicBezTo>
+                <a:cubicBezTo>
+                  <a:pt x="568119" y="2892"/>
+                  <a:pt x="250292" y="5410"/>
+                  <a:pt x="0" y="18288"/>
+                </a:cubicBezTo>
+                <a:cubicBezTo>
+                  <a:pt x="465" y="13062"/>
+                  <a:pt x="-894" y="9029"/>
+                  <a:pt x="0" y="0"/>
+                </a:cubicBezTo>
+                <a:close/>
+              </a:path>
+            </a:pathLst>
+          </a:custGeom>
+          <a:solidFill>
+            <a:schemeClr val="accent2">
+              <a:alpha val="75000"/>
+            </a:schemeClr>
+          </a:solidFill>
+          <a:ln w="44450" cap="rnd">
+            <a:solidFill>
+              <a:schemeClr val="accent2">
+                <a:alpha val="75000"/>
+              </a:schemeClr>
+            </a:solidFill>
+            <a:round/>
+            <a:extLst>
+              <a:ext uri="{C807C97D-BFC1-408E-A445-0C87EB9F89A2}">
+                <ask:lineSketchStyleProps xmlns:ask="http://schemas.microsoft.com/office/drawing/2018/sketchyshapes" sd="2727557108">
+                  <a:prstGeom prst="rect">
+                    <a:avLst/>
+                  </a:prstGeom>
+                  <ask:type>
+                    <ask:lineSketchFreehand/>
+                  </ask:type>
+                </ask:lineSketchStyleProps>
+              </a:ext>
+            </a:extLst>
+          </a:ln>
+        </p:spPr>
+        <p:style>
+          <a:lnRef idx="2">
+            <a:schemeClr val="accent1">
+              <a:shade val="50000"/>
+            </a:schemeClr>
+          </a:lnRef>
+          <a:fillRef idx="1">
+            <a:schemeClr val="accent1"/>
+          </a:fillRef>
+          <a:effectRef idx="0">
+            <a:schemeClr val="accent1"/>
+          </a:effectRef>
+          <a:fontRef idx="minor">
+            <a:schemeClr val="lt1"/>
+          </a:fontRef>
+        </p:style>
+        <p:txBody>
+          <a:bodyPr rtlCol="0" anchor="ctr"/>
+          <a:lstStyle/>
+          <a:p>
+            <a:pPr algn="ctr"/>
+            <a:endParaRPr lang="en-US"/>
           </a:p>
         </p:txBody>
       </p:sp>
@@ -5978,44 +6637,76 @@
             <p:ph idx="1"/>
           </p:nvPr>
         </p:nvSpPr>
-        <p:spPr/>
-        <p:txBody>
-          <a:bodyPr/>
+        <p:spPr>
+          <a:xfrm>
+            <a:off x="572493" y="2071316"/>
+            <a:ext cx="6713552" cy="4119172"/>
+          </a:xfrm>
+        </p:spPr>
+        <p:txBody>
+          <a:bodyPr anchor="t">
+            <a:normAutofit/>
+          </a:bodyPr>
           <a:lstStyle/>
           <a:p>
             <a:r>
-              <a:rPr lang="en-US" dirty="0"/>
-              <a:t>After looking for several data sets to use, I settled on the College Rankings data from:</a:t>
-            </a:r>
-          </a:p>
-          <a:p>
-            <a:pPr lvl="1"/>
-            <a:r>
-              <a:rPr lang="en-US" dirty="0"/>
-              <a:t>Andrew G. Reiter, “U.S. News &amp; World Report Historical Liberal Arts College and University Rankings,” available at: </a:t>
-            </a:r>
-            <a:r>
-              <a:rPr lang="en-US" dirty="0">
-                <a:hlinkClick r:id="rId2"/>
-              </a:rPr>
-              <a:t>http://andyreiter.com/datasets/</a:t>
-            </a:r>
-            <a:endParaRPr lang="en-US" dirty="0"/>
-          </a:p>
-          <a:p>
-            <a:r>
-              <a:rPr lang="en-US" dirty="0"/>
-              <a:t>After working with the data I found that the only way to match was on the Institution Name</a:t>
-            </a:r>
-          </a:p>
-          <a:p>
-            <a:r>
-              <a:rPr lang="en-US" dirty="0"/>
-              <a:t>I rand an analysis of rankings compared to graduation rate within 150% of expected. This resulted in a low correlation. </a:t>
-            </a:r>
-          </a:p>
-        </p:txBody>
-      </p:sp>
+              <a:rPr lang="en-US" sz="2200" dirty="0"/>
+              <a:t>Most of the data was for private non profit institutions.</a:t>
+            </a:r>
+          </a:p>
+          <a:p>
+            <a:r>
+              <a:rPr lang="en-US" sz="2200" dirty="0"/>
+              <a:t>I limited the set to institutions that primarily grant four year degrees.</a:t>
+            </a:r>
+          </a:p>
+        </p:txBody>
+      </p:sp>
+      <p:pic>
+        <p:nvPicPr>
+          <p:cNvPr id="1026" name="Picture 2">
+            <a:extLst>
+              <a:ext uri="{FF2B5EF4-FFF2-40B4-BE49-F238E27FC236}">
+                <a16:creationId xmlns:a16="http://schemas.microsoft.com/office/drawing/2014/main" id="{DCC3F081-2872-2F66-02AF-65D967496B17}"/>
+              </a:ext>
+            </a:extLst>
+          </p:cNvPr>
+          <p:cNvPicPr>
+            <a:picLocks noChangeAspect="1" noChangeArrowheads="1"/>
+          </p:cNvPicPr>
+          <p:nvPr/>
+        </p:nvPicPr>
+        <p:blipFill rotWithShape="1">
+          <a:blip r:embed="rId2">
+            <a:extLst>
+              <a:ext uri="{28A0092B-C50C-407E-A947-70E740481C1C}">
+                <a14:useLocalDpi xmlns:a14="http://schemas.microsoft.com/office/drawing/2010/main" val="0"/>
+              </a:ext>
+            </a:extLst>
+          </a:blip>
+          <a:srcRect t="3274" r="4" b="4"/>
+          <a:stretch/>
+        </p:blipFill>
+        <p:spPr bwMode="auto">
+          <a:xfrm>
+            <a:off x="7675658" y="2093976"/>
+            <a:ext cx="3941064" cy="4096512"/>
+          </a:xfrm>
+          <a:prstGeom prst="rect">
+            <a:avLst/>
+          </a:prstGeom>
+          <a:noFill/>
+          <a:extLst>
+            <a:ext uri="{909E8E84-426E-40DD-AFC4-6F175D3DCCD1}">
+              <a14:hiddenFill xmlns:a14="http://schemas.microsoft.com/office/drawing/2010/main">
+                <a:solidFill>
+                  <a:srgbClr val="FFFFFF"/>
+                </a:solidFill>
+              </a14:hiddenFill>
+            </a:ext>
+          </a:extLst>
+        </p:spPr>
+      </p:pic>
     </p:spTree>
     <p:extLst>
       <p:ext uri="{BB962C8B-B14F-4D97-AF65-F5344CB8AC3E}">
@@ -6032,6 +6723,14 @@
 <file path=ppt/slides/slide5.xml><?xml version="1.0" encoding="utf-8"?>
 <p:sld xmlns:a="http://schemas.openxmlformats.org/drawingml/2006/main" xmlns:r="http://schemas.openxmlformats.org/officeDocument/2006/relationships" xmlns:p="http://schemas.openxmlformats.org/presentationml/2006/main">
   <p:cSld>
+    <p:bg>
+      <p:bgPr>
+        <a:solidFill>
+          <a:schemeClr val="bg1"/>
+        </a:solidFill>
+        <a:effectLst/>
+      </p:bgPr>
+    </p:bg>
     <p:spTree>
       <p:nvGrpSpPr>
         <p:cNvPr id="1" name=""/>
@@ -6046,12 +6745,72 @@
           <a:chExt cx="0" cy="0"/>
         </a:xfrm>
       </p:grpSpPr>
+      <p:sp useBgFill="1">
+        <p:nvSpPr>
+          <p:cNvPr id="2055" name="Rectangle 2054">
+            <a:extLst>
+              <a:ext uri="{FF2B5EF4-FFF2-40B4-BE49-F238E27FC236}">
+                <a16:creationId xmlns:a16="http://schemas.microsoft.com/office/drawing/2014/main" id="{DBC6133C-0615-4CE4-9132-37E609A9BDFA}"/>
+              </a:ext>
+              <a:ext uri="{C183D7F6-B498-43B3-948B-1728B52AA6E4}">
+                <adec:decorative xmlns:adec="http://schemas.microsoft.com/office/drawing/2017/decorative" val="1"/>
+              </a:ext>
+            </a:extLst>
+          </p:cNvPr>
+          <p:cNvSpPr>
+            <a:spLocks noGrp="1" noRot="1" noChangeAspect="1" noMove="1" noResize="1" noEditPoints="1" noAdjustHandles="1" noChangeArrowheads="1" noChangeShapeType="1" noTextEdit="1"/>
+          </p:cNvSpPr>
+          <p:nvPr>
+            <p:extLst>
+              <p:ext uri="{386F3935-93C4-4BCD-93E2-E3B085C9AB24}">
+                <p16:designElem xmlns:p16="http://schemas.microsoft.com/office/powerpoint/2015/main" val="1"/>
+              </p:ext>
+            </p:extLst>
+          </p:nvPr>
+        </p:nvSpPr>
+        <p:spPr>
+          <a:xfrm>
+            <a:off x="0" y="0"/>
+            <a:ext cx="12191999" cy="6857365"/>
+          </a:xfrm>
+          <a:prstGeom prst="rect">
+            <a:avLst/>
+          </a:prstGeom>
+          <a:ln>
+            <a:noFill/>
+          </a:ln>
+        </p:spPr>
+        <p:style>
+          <a:lnRef idx="2">
+            <a:schemeClr val="accent1">
+              <a:shade val="50000"/>
+            </a:schemeClr>
+          </a:lnRef>
+          <a:fillRef idx="1">
+            <a:schemeClr val="accent1"/>
+          </a:fillRef>
+          <a:effectRef idx="0">
+            <a:schemeClr val="accent1"/>
+          </a:effectRef>
+          <a:fontRef idx="minor">
+            <a:schemeClr val="lt1"/>
+          </a:fontRef>
+        </p:style>
+        <p:txBody>
+          <a:bodyPr rtlCol="0" anchor="ctr"/>
+          <a:lstStyle/>
+          <a:p>
+            <a:pPr algn="ctr"/>
+            <a:endParaRPr lang="en-US"/>
+          </a:p>
+        </p:txBody>
+      </p:sp>
       <p:sp>
         <p:nvSpPr>
           <p:cNvPr id="2" name="Title 1">
             <a:extLst>
               <a:ext uri="{FF2B5EF4-FFF2-40B4-BE49-F238E27FC236}">
-                <a16:creationId xmlns:a16="http://schemas.microsoft.com/office/drawing/2014/main" id="{D06C607B-F28E-9C73-DEBD-775262086EC5}"/>
+                <a16:creationId xmlns:a16="http://schemas.microsoft.com/office/drawing/2014/main" id="{579B20C7-E8F2-CEBD-4004-2C57FC9980DC}"/>
               </a:ext>
             </a:extLst>
           </p:cNvPr>
@@ -6062,15 +6821,85 @@
             <p:ph type="title"/>
           </p:nvPr>
         </p:nvSpPr>
-        <p:spPr/>
-        <p:txBody>
-          <a:bodyPr/>
+        <p:spPr>
+          <a:xfrm>
+            <a:off x="645064" y="525982"/>
+            <a:ext cx="4282983" cy="1200361"/>
+          </a:xfrm>
+        </p:spPr>
+        <p:txBody>
+          <a:bodyPr anchor="b">
+            <a:normAutofit/>
+          </a:bodyPr>
           <a:lstStyle/>
           <a:p>
             <a:r>
-              <a:rPr lang="en-US" dirty="0"/>
-              <a:t>Report – Project 2A</a:t>
-            </a:r>
+              <a:rPr lang="en-US" sz="3100"/>
+              <a:t>Professors impact on 10 Year out Salary</a:t>
+            </a:r>
+          </a:p>
+        </p:txBody>
+      </p:sp>
+      <p:sp>
+        <p:nvSpPr>
+          <p:cNvPr id="2057" name="Rectangle 2056">
+            <a:extLst>
+              <a:ext uri="{FF2B5EF4-FFF2-40B4-BE49-F238E27FC236}">
+                <a16:creationId xmlns:a16="http://schemas.microsoft.com/office/drawing/2014/main" id="{169CC832-2974-4E8D-90ED-3E2941BA7336}"/>
+              </a:ext>
+              <a:ext uri="{C183D7F6-B498-43B3-948B-1728B52AA6E4}">
+                <adec:decorative xmlns:adec="http://schemas.microsoft.com/office/drawing/2017/decorative" val="1"/>
+              </a:ext>
+            </a:extLst>
+          </p:cNvPr>
+          <p:cNvSpPr>
+            <a:spLocks noGrp="1" noRot="1" noChangeAspect="1" noMove="1" noResize="1" noEditPoints="1" noAdjustHandles="1" noChangeArrowheads="1" noChangeShapeType="1" noTextEdit="1"/>
+          </p:cNvSpPr>
+          <p:nvPr>
+            <p:extLst>
+              <p:ext uri="{386F3935-93C4-4BCD-93E2-E3B085C9AB24}">
+                <p16:designElem xmlns:p16="http://schemas.microsoft.com/office/powerpoint/2015/main" val="1"/>
+              </p:ext>
+            </p:extLst>
+          </p:nvPr>
+        </p:nvSpPr>
+        <p:spPr>
+          <a:xfrm flipH="1">
+            <a:off x="616533" y="1944913"/>
+            <a:ext cx="4023360" cy="27432"/>
+          </a:xfrm>
+          <a:prstGeom prst="rect">
+            <a:avLst/>
+          </a:prstGeom>
+          <a:solidFill>
+            <a:schemeClr val="accent4"/>
+          </a:solidFill>
+          <a:ln>
+            <a:noFill/>
+          </a:ln>
+        </p:spPr>
+        <p:style>
+          <a:lnRef idx="2">
+            <a:schemeClr val="accent1">
+              <a:shade val="50000"/>
+            </a:schemeClr>
+          </a:lnRef>
+          <a:fillRef idx="1">
+            <a:schemeClr val="accent1"/>
+          </a:fillRef>
+          <a:effectRef idx="0">
+            <a:schemeClr val="accent1"/>
+          </a:effectRef>
+          <a:fontRef idx="minor">
+            <a:schemeClr val="lt1"/>
+          </a:fontRef>
+        </p:style>
+        <p:txBody>
+          <a:bodyPr rtlCol="0" anchor="ctr"/>
+          <a:lstStyle/>
+          <a:p>
+            <a:pPr algn="ctr"/>
+            <a:endParaRPr lang="en-US"/>
           </a:p>
         </p:txBody>
       </p:sp>
@@ -6079,7 +6908,7 @@
           <p:cNvPr id="3" name="Content Placeholder 2">
             <a:extLst>
               <a:ext uri="{FF2B5EF4-FFF2-40B4-BE49-F238E27FC236}">
-                <a16:creationId xmlns:a16="http://schemas.microsoft.com/office/drawing/2014/main" id="{BF1079B0-2254-EA0A-A78D-1D0B354261C9}"/>
+                <a16:creationId xmlns:a16="http://schemas.microsoft.com/office/drawing/2014/main" id="{02CF7C4C-C126-3FB9-A802-8284678F73F8}"/>
               </a:ext>
             </a:extLst>
           </p:cNvPr>
@@ -6090,28 +6919,289 @@
             <p:ph idx="1"/>
           </p:nvPr>
         </p:nvSpPr>
-        <p:spPr/>
-        <p:txBody>
-          <a:bodyPr/>
+        <p:spPr>
+          <a:xfrm>
+            <a:off x="645066" y="2031101"/>
+            <a:ext cx="4282984" cy="3511943"/>
+          </a:xfrm>
+        </p:spPr>
+        <p:txBody>
+          <a:bodyPr anchor="ctr">
+            <a:normAutofit/>
+          </a:bodyPr>
           <a:lstStyle/>
           <a:p>
             <a:r>
-              <a:rPr lang="en-US" dirty="0"/>
-              <a:t>I have never done screen scrapping before. I knew it would be tedious but I had no idea how tedious it would be. Each attribute required careful analysis of the HTML. While the result was somewhat flexible, even minor changes to the HTML would result in the code no longer working.</a:t>
-            </a:r>
-          </a:p>
-          <a:p>
-            <a:r>
-              <a:rPr lang="en-US" dirty="0"/>
-              <a:t>Once I got it working, the code was reliable and worked well. I ran it many times on a small sample. I was concerned that when I ran the full set, it would run into some issues. But none were noted. This probably means that they developers of the site were consistent in preparing each detail page.</a:t>
-            </a:r>
-          </a:p>
-        </p:txBody>
-      </p:sp>
+              <a:rPr lang="en-US" sz="1800" dirty="0"/>
+              <a:t>This graph shows the relationship between the percent of professors that are full time and the graduate salaries.</a:t>
+            </a:r>
+          </a:p>
+          <a:p>
+            <a:r>
+              <a:rPr lang="en-US" sz="1800" dirty="0"/>
+              <a:t>These salaries are ten years after the student started.</a:t>
+            </a:r>
+          </a:p>
+          <a:p>
+            <a:r>
+              <a:rPr lang="en-US" sz="1800" dirty="0"/>
+              <a:t>They are collected from IRS data.</a:t>
+            </a:r>
+          </a:p>
+          <a:p>
+            <a:r>
+              <a:rPr lang="en-US" sz="1800" dirty="0"/>
+              <a:t>Note that percent full time is reported by the institutions.</a:t>
+            </a:r>
+          </a:p>
+        </p:txBody>
+      </p:sp>
+      <p:sp>
+        <p:nvSpPr>
+          <p:cNvPr id="2059" name="Rectangle 2058">
+            <a:extLst>
+              <a:ext uri="{FF2B5EF4-FFF2-40B4-BE49-F238E27FC236}">
+                <a16:creationId xmlns:a16="http://schemas.microsoft.com/office/drawing/2014/main" id="{55222F96-971A-4F90-B841-6BAB416C7AC1}"/>
+              </a:ext>
+              <a:ext uri="{C183D7F6-B498-43B3-948B-1728B52AA6E4}">
+                <adec:decorative xmlns:adec="http://schemas.microsoft.com/office/drawing/2017/decorative" val="1"/>
+              </a:ext>
+            </a:extLst>
+          </p:cNvPr>
+          <p:cNvSpPr>
+            <a:spLocks noGrp="1" noRot="1" noChangeAspect="1" noMove="1" noResize="1" noEditPoints="1" noAdjustHandles="1" noChangeArrowheads="1" noChangeShapeType="1" noTextEdit="1"/>
+          </p:cNvSpPr>
+          <p:nvPr>
+            <p:extLst>
+              <p:ext uri="{386F3935-93C4-4BCD-93E2-E3B085C9AB24}">
+                <p16:designElem xmlns:p16="http://schemas.microsoft.com/office/powerpoint/2015/main" val="1"/>
+              </p:ext>
+            </p:extLst>
+          </p:nvPr>
+        </p:nvSpPr>
+        <p:spPr>
+          <a:xfrm rot="5400000">
+            <a:off x="-225843" y="6053360"/>
+            <a:ext cx="740664" cy="154124"/>
+          </a:xfrm>
+          <a:prstGeom prst="rect">
+            <a:avLst/>
+          </a:prstGeom>
+          <a:solidFill>
+            <a:schemeClr val="accent4"/>
+          </a:solidFill>
+          <a:ln>
+            <a:noFill/>
+          </a:ln>
+        </p:spPr>
+        <p:style>
+          <a:lnRef idx="2">
+            <a:schemeClr val="accent1">
+              <a:shade val="50000"/>
+            </a:schemeClr>
+          </a:lnRef>
+          <a:fillRef idx="1">
+            <a:schemeClr val="accent1"/>
+          </a:fillRef>
+          <a:effectRef idx="0">
+            <a:schemeClr val="accent1"/>
+          </a:effectRef>
+          <a:fontRef idx="minor">
+            <a:schemeClr val="lt1"/>
+          </a:fontRef>
+        </p:style>
+        <p:txBody>
+          <a:bodyPr rtlCol="0" anchor="ctr"/>
+          <a:lstStyle/>
+          <a:p>
+            <a:pPr algn="ctr"/>
+            <a:endParaRPr lang="en-US"/>
+          </a:p>
+        </p:txBody>
+      </p:sp>
+      <p:sp>
+        <p:nvSpPr>
+          <p:cNvPr id="2061" name="Rectangle 2060">
+            <a:extLst>
+              <a:ext uri="{FF2B5EF4-FFF2-40B4-BE49-F238E27FC236}">
+                <a16:creationId xmlns:a16="http://schemas.microsoft.com/office/drawing/2014/main" id="{08980754-6F4B-43C9-B9BE-127B6BED6586}"/>
+              </a:ext>
+              <a:ext uri="{C183D7F6-B498-43B3-948B-1728B52AA6E4}">
+                <adec:decorative xmlns:adec="http://schemas.microsoft.com/office/drawing/2017/decorative" val="1"/>
+              </a:ext>
+            </a:extLst>
+          </p:cNvPr>
+          <p:cNvSpPr>
+            <a:spLocks noGrp="1" noRot="1" noChangeAspect="1" noMove="1" noResize="1" noEditPoints="1" noAdjustHandles="1" noChangeArrowheads="1" noChangeShapeType="1" noTextEdit="1"/>
+          </p:cNvSpPr>
+          <p:nvPr>
+            <p:extLst>
+              <p:ext uri="{386F3935-93C4-4BCD-93E2-E3B085C9AB24}">
+                <p16:designElem xmlns:p16="http://schemas.microsoft.com/office/powerpoint/2015/main" val="1"/>
+              </p:ext>
+            </p:extLst>
+          </p:nvPr>
+        </p:nvSpPr>
+        <p:spPr>
+          <a:xfrm rot="5400000">
+            <a:off x="5904923" y="215201"/>
+            <a:ext cx="740664" cy="11833491"/>
+          </a:xfrm>
+          <a:prstGeom prst="rect">
+            <a:avLst/>
+          </a:prstGeom>
+          <a:solidFill>
+            <a:schemeClr val="accent4"/>
+          </a:solidFill>
+          <a:ln>
+            <a:noFill/>
+          </a:ln>
+        </p:spPr>
+        <p:style>
+          <a:lnRef idx="2">
+            <a:schemeClr val="accent1">
+              <a:shade val="50000"/>
+            </a:schemeClr>
+          </a:lnRef>
+          <a:fillRef idx="1">
+            <a:schemeClr val="accent1"/>
+          </a:fillRef>
+          <a:effectRef idx="0">
+            <a:schemeClr val="accent1"/>
+          </a:effectRef>
+          <a:fontRef idx="minor">
+            <a:schemeClr val="lt1"/>
+          </a:fontRef>
+        </p:style>
+        <p:txBody>
+          <a:bodyPr rtlCol="0" anchor="ctr"/>
+          <a:lstStyle/>
+          <a:p>
+            <a:pPr algn="ctr"/>
+            <a:endParaRPr lang="en-US"/>
+          </a:p>
+        </p:txBody>
+      </p:sp>
+      <p:sp>
+        <p:nvSpPr>
+          <p:cNvPr id="2063" name="Rectangle 2062">
+            <a:extLst>
+              <a:ext uri="{FF2B5EF4-FFF2-40B4-BE49-F238E27FC236}">
+                <a16:creationId xmlns:a16="http://schemas.microsoft.com/office/drawing/2014/main" id="{2C1BBA94-3F40-40AA-8BB9-E69E25E537C1}"/>
+              </a:ext>
+              <a:ext uri="{C183D7F6-B498-43B3-948B-1728B52AA6E4}">
+                <adec:decorative xmlns:adec="http://schemas.microsoft.com/office/drawing/2017/decorative" val="1"/>
+              </a:ext>
+            </a:extLst>
+          </p:cNvPr>
+          <p:cNvSpPr>
+            <a:spLocks noGrp="1" noRot="1" noChangeAspect="1" noMove="1" noResize="1" noEditPoints="1" noAdjustHandles="1" noChangeArrowheads="1" noChangeShapeType="1" noTextEdit="1"/>
+          </p:cNvSpPr>
+          <p:nvPr>
+            <p:extLst>
+              <p:ext uri="{386F3935-93C4-4BCD-93E2-E3B085C9AB24}">
+                <p16:designElem xmlns:p16="http://schemas.microsoft.com/office/powerpoint/2015/main" val="1"/>
+              </p:ext>
+            </p:extLst>
+          </p:nvPr>
+        </p:nvSpPr>
+        <p:spPr>
+          <a:xfrm>
+            <a:off x="5696793" y="354959"/>
+            <a:ext cx="6184973" cy="5915212"/>
+          </a:xfrm>
+          <a:prstGeom prst="rect">
+            <a:avLst/>
+          </a:prstGeom>
+          <a:solidFill>
+            <a:schemeClr val="bg1"/>
+          </a:solidFill>
+          <a:ln>
+            <a:noFill/>
+          </a:ln>
+          <a:effectLst>
+            <a:outerShdw blurRad="139700" dist="127000" dir="5400000" algn="t" rotWithShape="0">
+              <a:prstClr val="black">
+                <a:alpha val="15000"/>
+              </a:prstClr>
+            </a:outerShdw>
+          </a:effectLst>
+        </p:spPr>
+        <p:style>
+          <a:lnRef idx="2">
+            <a:schemeClr val="accent1">
+              <a:shade val="50000"/>
+            </a:schemeClr>
+          </a:lnRef>
+          <a:fillRef idx="1">
+            <a:schemeClr val="accent1"/>
+          </a:fillRef>
+          <a:effectRef idx="0">
+            <a:schemeClr val="accent1"/>
+          </a:effectRef>
+          <a:fontRef idx="minor">
+            <a:schemeClr val="lt1"/>
+          </a:fontRef>
+        </p:style>
+        <p:txBody>
+          <a:bodyPr rtlCol="0" anchor="ctr"/>
+          <a:lstStyle/>
+          <a:p>
+            <a:pPr algn="ctr"/>
+            <a:endParaRPr lang="en-US"/>
+          </a:p>
+        </p:txBody>
+      </p:sp>
+      <p:pic>
+        <p:nvPicPr>
+          <p:cNvPr id="2050" name="Picture 2">
+            <a:extLst>
+              <a:ext uri="{FF2B5EF4-FFF2-40B4-BE49-F238E27FC236}">
+                <a16:creationId xmlns:a16="http://schemas.microsoft.com/office/drawing/2014/main" id="{37BF9547-7A81-5E43-2C51-4A2FCE7E20B0}"/>
+              </a:ext>
+            </a:extLst>
+          </p:cNvPr>
+          <p:cNvPicPr>
+            <a:picLocks noChangeAspect="1" noChangeArrowheads="1"/>
+          </p:cNvPicPr>
+          <p:nvPr/>
+        </p:nvPicPr>
+        <p:blipFill>
+          <a:blip r:embed="rId2">
+            <a:extLst>
+              <a:ext uri="{28A0092B-C50C-407E-A947-70E740481C1C}">
+                <a14:useLocalDpi xmlns:a14="http://schemas.microsoft.com/office/drawing/2010/main" val="0"/>
+              </a:ext>
+            </a:extLst>
+          </a:blip>
+          <a:stretch>
+            <a:fillRect/>
+          </a:stretch>
+        </p:blipFill>
+        <p:spPr bwMode="auto">
+          <a:xfrm>
+            <a:off x="5987738" y="1195023"/>
+            <a:ext cx="5628018" cy="4235083"/>
+          </a:xfrm>
+          <a:prstGeom prst="rect">
+            <a:avLst/>
+          </a:prstGeom>
+          <a:noFill/>
+          <a:extLst>
+            <a:ext uri="{909E8E84-426E-40DD-AFC4-6F175D3DCCD1}">
+              <a14:hiddenFill xmlns:a14="http://schemas.microsoft.com/office/drawing/2010/main">
+                <a:solidFill>
+                  <a:srgbClr val="FFFFFF"/>
+                </a:solidFill>
+              </a14:hiddenFill>
+            </a:ext>
+          </a:extLst>
+        </p:spPr>
+      </p:pic>
     </p:spTree>
     <p:extLst>
       <p:ext uri="{BB962C8B-B14F-4D97-AF65-F5344CB8AC3E}">
-        <p14:creationId xmlns:p14="http://schemas.microsoft.com/office/powerpoint/2010/main" val="67663383"/>
+        <p14:creationId xmlns:p14="http://schemas.microsoft.com/office/powerpoint/2010/main" val="3303158192"/>
       </p:ext>
     </p:extLst>
   </p:cSld>
@@ -6122,6 +7212,499 @@
 </file>
 
 <file path=ppt/slides/slide6.xml><?xml version="1.0" encoding="utf-8"?>
+<p:sld xmlns:a="http://schemas.openxmlformats.org/drawingml/2006/main" xmlns:r="http://schemas.openxmlformats.org/officeDocument/2006/relationships" xmlns:p="http://schemas.openxmlformats.org/presentationml/2006/main">
+  <p:cSld>
+    <p:bg>
+      <p:bgPr>
+        <a:solidFill>
+          <a:schemeClr val="bg1"/>
+        </a:solidFill>
+        <a:effectLst/>
+      </p:bgPr>
+    </p:bg>
+    <p:spTree>
+      <p:nvGrpSpPr>
+        <p:cNvPr id="1" name=""/>
+        <p:cNvGrpSpPr/>
+        <p:nvPr/>
+      </p:nvGrpSpPr>
+      <p:grpSpPr>
+        <a:xfrm>
+          <a:off x="0" y="0"/>
+          <a:ext cx="0" cy="0"/>
+          <a:chOff x="0" y="0"/>
+          <a:chExt cx="0" cy="0"/>
+        </a:xfrm>
+      </p:grpSpPr>
+      <p:sp useBgFill="1">
+        <p:nvSpPr>
+          <p:cNvPr id="3079" name="Rectangle 3078">
+            <a:extLst>
+              <a:ext uri="{FF2B5EF4-FFF2-40B4-BE49-F238E27FC236}">
+                <a16:creationId xmlns:a16="http://schemas.microsoft.com/office/drawing/2014/main" id="{2B97F24A-32CE-4C1C-A50D-3016B394DCFB}"/>
+              </a:ext>
+              <a:ext uri="{C183D7F6-B498-43B3-948B-1728B52AA6E4}">
+                <adec:decorative xmlns:adec="http://schemas.microsoft.com/office/drawing/2017/decorative" val="1"/>
+              </a:ext>
+            </a:extLst>
+          </p:cNvPr>
+          <p:cNvSpPr>
+            <a:spLocks noGrp="1" noRot="1" noChangeAspect="1" noMove="1" noResize="1" noEditPoints="1" noAdjustHandles="1" noChangeArrowheads="1" noChangeShapeType="1" noTextEdit="1"/>
+          </p:cNvSpPr>
+          <p:nvPr>
+            <p:extLst>
+              <p:ext uri="{386F3935-93C4-4BCD-93E2-E3B085C9AB24}">
+                <p16:designElem xmlns:p16="http://schemas.microsoft.com/office/powerpoint/2015/main" val="1"/>
+              </p:ext>
+            </p:extLst>
+          </p:nvPr>
+        </p:nvSpPr>
+        <p:spPr>
+          <a:xfrm>
+            <a:off x="0" y="0"/>
+            <a:ext cx="12192000" cy="6858000"/>
+          </a:xfrm>
+          <a:prstGeom prst="rect">
+            <a:avLst/>
+          </a:prstGeom>
+          <a:ln>
+            <a:noFill/>
+          </a:ln>
+        </p:spPr>
+        <p:style>
+          <a:lnRef idx="2">
+            <a:schemeClr val="accent1">
+              <a:shade val="50000"/>
+            </a:schemeClr>
+          </a:lnRef>
+          <a:fillRef idx="1">
+            <a:schemeClr val="accent1"/>
+          </a:fillRef>
+          <a:effectRef idx="0">
+            <a:schemeClr val="accent1"/>
+          </a:effectRef>
+          <a:fontRef idx="minor">
+            <a:schemeClr val="lt1"/>
+          </a:fontRef>
+        </p:style>
+        <p:txBody>
+          <a:bodyPr rtlCol="0" anchor="ctr"/>
+          <a:lstStyle/>
+          <a:p>
+            <a:pPr algn="ctr"/>
+            <a:endParaRPr lang="en-US"/>
+          </a:p>
+        </p:txBody>
+      </p:sp>
+      <p:sp>
+        <p:nvSpPr>
+          <p:cNvPr id="2" name="Title 1">
+            <a:extLst>
+              <a:ext uri="{FF2B5EF4-FFF2-40B4-BE49-F238E27FC236}">
+                <a16:creationId xmlns:a16="http://schemas.microsoft.com/office/drawing/2014/main" id="{DD127F74-C542-5201-C3AE-79F6E61273FB}"/>
+              </a:ext>
+            </a:extLst>
+          </p:cNvPr>
+          <p:cNvSpPr>
+            <a:spLocks noGrp="1"/>
+          </p:cNvSpPr>
+          <p:nvPr>
+            <p:ph type="title"/>
+          </p:nvPr>
+        </p:nvSpPr>
+        <p:spPr>
+          <a:xfrm>
+            <a:off x="630936" y="639520"/>
+            <a:ext cx="3429000" cy="1719072"/>
+          </a:xfrm>
+        </p:spPr>
+        <p:txBody>
+          <a:bodyPr anchor="b">
+            <a:normAutofit/>
+          </a:bodyPr>
+          <a:lstStyle/>
+          <a:p>
+            <a:r>
+              <a:rPr lang="en-US" sz="5400" dirty="0"/>
+              <a:t>Professors Salaries</a:t>
+            </a:r>
+          </a:p>
+        </p:txBody>
+      </p:sp>
+      <p:sp>
+        <p:nvSpPr>
+          <p:cNvPr id="3081" name="sketch line">
+            <a:extLst>
+              <a:ext uri="{FF2B5EF4-FFF2-40B4-BE49-F238E27FC236}">
+                <a16:creationId xmlns:a16="http://schemas.microsoft.com/office/drawing/2014/main" id="{CD8B4F24-440B-49E9-B85D-733523DC064B}"/>
+              </a:ext>
+              <a:ext uri="{C183D7F6-B498-43B3-948B-1728B52AA6E4}">
+                <adec:decorative xmlns:adec="http://schemas.microsoft.com/office/drawing/2017/decorative" val="1"/>
+              </a:ext>
+            </a:extLst>
+          </p:cNvPr>
+          <p:cNvSpPr>
+            <a:spLocks noGrp="1" noRot="1" noChangeAspect="1" noMove="1" noResize="1" noEditPoints="1" noAdjustHandles="1" noChangeArrowheads="1" noChangeShapeType="1" noTextEdit="1"/>
+          </p:cNvSpPr>
+          <p:nvPr>
+            <p:extLst>
+              <p:ext uri="{386F3935-93C4-4BCD-93E2-E3B085C9AB24}">
+                <p16:designElem xmlns:p16="http://schemas.microsoft.com/office/powerpoint/2015/main" val="1"/>
+              </p:ext>
+            </p:extLst>
+          </p:nvPr>
+        </p:nvSpPr>
+        <p:spPr>
+          <a:xfrm>
+            <a:off x="643278" y="2573756"/>
+            <a:ext cx="3255095" cy="18288"/>
+          </a:xfrm>
+          <a:custGeom>
+            <a:avLst/>
+            <a:gdLst>
+              <a:gd name="connsiteX0" fmla="*/ 0 w 3255095"/>
+              <a:gd name="connsiteY0" fmla="*/ 0 h 18288"/>
+              <a:gd name="connsiteX1" fmla="*/ 618468 w 3255095"/>
+              <a:gd name="connsiteY1" fmla="*/ 0 h 18288"/>
+              <a:gd name="connsiteX2" fmla="*/ 1269487 w 3255095"/>
+              <a:gd name="connsiteY2" fmla="*/ 0 h 18288"/>
+              <a:gd name="connsiteX3" fmla="*/ 1953057 w 3255095"/>
+              <a:gd name="connsiteY3" fmla="*/ 0 h 18288"/>
+              <a:gd name="connsiteX4" fmla="*/ 2636627 w 3255095"/>
+              <a:gd name="connsiteY4" fmla="*/ 0 h 18288"/>
+              <a:gd name="connsiteX5" fmla="*/ 3255095 w 3255095"/>
+              <a:gd name="connsiteY5" fmla="*/ 0 h 18288"/>
+              <a:gd name="connsiteX6" fmla="*/ 3255095 w 3255095"/>
+              <a:gd name="connsiteY6" fmla="*/ 18288 h 18288"/>
+              <a:gd name="connsiteX7" fmla="*/ 2538974 w 3255095"/>
+              <a:gd name="connsiteY7" fmla="*/ 18288 h 18288"/>
+              <a:gd name="connsiteX8" fmla="*/ 1822853 w 3255095"/>
+              <a:gd name="connsiteY8" fmla="*/ 18288 h 18288"/>
+              <a:gd name="connsiteX9" fmla="*/ 1171834 w 3255095"/>
+              <a:gd name="connsiteY9" fmla="*/ 18288 h 18288"/>
+              <a:gd name="connsiteX10" fmla="*/ 0 w 3255095"/>
+              <a:gd name="connsiteY10" fmla="*/ 18288 h 18288"/>
+              <a:gd name="connsiteX11" fmla="*/ 0 w 3255095"/>
+              <a:gd name="connsiteY11" fmla="*/ 0 h 18288"/>
+            </a:gdLst>
+            <a:ahLst/>
+            <a:cxnLst>
+              <a:cxn ang="0">
+                <a:pos x="connsiteX0" y="connsiteY0"/>
+              </a:cxn>
+              <a:cxn ang="0">
+                <a:pos x="connsiteX1" y="connsiteY1"/>
+              </a:cxn>
+              <a:cxn ang="0">
+                <a:pos x="connsiteX2" y="connsiteY2"/>
+              </a:cxn>
+              <a:cxn ang="0">
+                <a:pos x="connsiteX3" y="connsiteY3"/>
+              </a:cxn>
+              <a:cxn ang="0">
+                <a:pos x="connsiteX4" y="connsiteY4"/>
+              </a:cxn>
+              <a:cxn ang="0">
+                <a:pos x="connsiteX5" y="connsiteY5"/>
+              </a:cxn>
+              <a:cxn ang="0">
+                <a:pos x="connsiteX6" y="connsiteY6"/>
+              </a:cxn>
+              <a:cxn ang="0">
+                <a:pos x="connsiteX7" y="connsiteY7"/>
+              </a:cxn>
+              <a:cxn ang="0">
+                <a:pos x="connsiteX8" y="connsiteY8"/>
+              </a:cxn>
+              <a:cxn ang="0">
+                <a:pos x="connsiteX9" y="connsiteY9"/>
+              </a:cxn>
+              <a:cxn ang="0">
+                <a:pos x="connsiteX10" y="connsiteY10"/>
+              </a:cxn>
+              <a:cxn ang="0">
+                <a:pos x="connsiteX11" y="connsiteY11"/>
+              </a:cxn>
+            </a:cxnLst>
+            <a:rect l="l" t="t" r="r" b="b"/>
+            <a:pathLst>
+              <a:path w="3255095" h="18288" fill="none" extrusionOk="0">
+                <a:moveTo>
+                  <a:pt x="0" y="0"/>
+                </a:moveTo>
+                <a:cubicBezTo>
+                  <a:pt x="240201" y="-22123"/>
+                  <a:pt x="462021" y="-19623"/>
+                  <a:pt x="618468" y="0"/>
+                </a:cubicBezTo>
+                <a:cubicBezTo>
+                  <a:pt x="774915" y="19623"/>
+                  <a:pt x="974734" y="2035"/>
+                  <a:pt x="1269487" y="0"/>
+                </a:cubicBezTo>
+                <a:cubicBezTo>
+                  <a:pt x="1564240" y="-2035"/>
+                  <a:pt x="1733579" y="10639"/>
+                  <a:pt x="1953057" y="0"/>
+                </a:cubicBezTo>
+                <a:cubicBezTo>
+                  <a:pt x="2172535" y="-10639"/>
+                  <a:pt x="2453962" y="14018"/>
+                  <a:pt x="2636627" y="0"/>
+                </a:cubicBezTo>
+                <a:cubicBezTo>
+                  <a:pt x="2819292" y="-14018"/>
+                  <a:pt x="3121375" y="5399"/>
+                  <a:pt x="3255095" y="0"/>
+                </a:cubicBezTo>
+                <a:cubicBezTo>
+                  <a:pt x="3254386" y="8157"/>
+                  <a:pt x="3254682" y="12125"/>
+                  <a:pt x="3255095" y="18288"/>
+                </a:cubicBezTo>
+                <a:cubicBezTo>
+                  <a:pt x="3088545" y="23203"/>
+                  <a:pt x="2687475" y="7419"/>
+                  <a:pt x="2538974" y="18288"/>
+                </a:cubicBezTo>
+                <a:cubicBezTo>
+                  <a:pt x="2390473" y="29157"/>
+                  <a:pt x="2137381" y="-8959"/>
+                  <a:pt x="1822853" y="18288"/>
+                </a:cubicBezTo>
+                <a:cubicBezTo>
+                  <a:pt x="1508325" y="45535"/>
+                  <a:pt x="1466437" y="20385"/>
+                  <a:pt x="1171834" y="18288"/>
+                </a:cubicBezTo>
+                <a:cubicBezTo>
+                  <a:pt x="877231" y="16191"/>
+                  <a:pt x="561097" y="37643"/>
+                  <a:pt x="0" y="18288"/>
+                </a:cubicBezTo>
+                <a:cubicBezTo>
+                  <a:pt x="-46" y="12483"/>
+                  <a:pt x="-203" y="6491"/>
+                  <a:pt x="0" y="0"/>
+                </a:cubicBezTo>
+                <a:close/>
+              </a:path>
+              <a:path w="3255095" h="18288" stroke="0" extrusionOk="0">
+                <a:moveTo>
+                  <a:pt x="0" y="0"/>
+                </a:moveTo>
+                <a:cubicBezTo>
+                  <a:pt x="291965" y="19429"/>
+                  <a:pt x="363155" y="8568"/>
+                  <a:pt x="618468" y="0"/>
+                </a:cubicBezTo>
+                <a:cubicBezTo>
+                  <a:pt x="873781" y="-8568"/>
+                  <a:pt x="904459" y="-19505"/>
+                  <a:pt x="1171834" y="0"/>
+                </a:cubicBezTo>
+                <a:cubicBezTo>
+                  <a:pt x="1439209" y="19505"/>
+                  <a:pt x="1744369" y="9790"/>
+                  <a:pt x="1887955" y="0"/>
+                </a:cubicBezTo>
+                <a:cubicBezTo>
+                  <a:pt x="2031541" y="-9790"/>
+                  <a:pt x="2346378" y="21240"/>
+                  <a:pt x="2506423" y="0"/>
+                </a:cubicBezTo>
+                <a:cubicBezTo>
+                  <a:pt x="2666468" y="-21240"/>
+                  <a:pt x="2990257" y="30414"/>
+                  <a:pt x="3255095" y="0"/>
+                </a:cubicBezTo>
+                <a:cubicBezTo>
+                  <a:pt x="3254831" y="4493"/>
+                  <a:pt x="3255479" y="9472"/>
+                  <a:pt x="3255095" y="18288"/>
+                </a:cubicBezTo>
+                <a:cubicBezTo>
+                  <a:pt x="3120743" y="16690"/>
+                  <a:pt x="2759628" y="42462"/>
+                  <a:pt x="2604076" y="18288"/>
+                </a:cubicBezTo>
+                <a:cubicBezTo>
+                  <a:pt x="2448524" y="-5886"/>
+                  <a:pt x="2184336" y="19599"/>
+                  <a:pt x="1887955" y="18288"/>
+                </a:cubicBezTo>
+                <a:cubicBezTo>
+                  <a:pt x="1591574" y="16977"/>
+                  <a:pt x="1548845" y="6870"/>
+                  <a:pt x="1334589" y="18288"/>
+                </a:cubicBezTo>
+                <a:cubicBezTo>
+                  <a:pt x="1120333" y="29706"/>
+                  <a:pt x="996014" y="9662"/>
+                  <a:pt x="683570" y="18288"/>
+                </a:cubicBezTo>
+                <a:cubicBezTo>
+                  <a:pt x="371126" y="26914"/>
+                  <a:pt x="198687" y="16167"/>
+                  <a:pt x="0" y="18288"/>
+                </a:cubicBezTo>
+                <a:cubicBezTo>
+                  <a:pt x="843" y="9577"/>
+                  <a:pt x="371" y="6900"/>
+                  <a:pt x="0" y="0"/>
+                </a:cubicBezTo>
+                <a:close/>
+              </a:path>
+            </a:pathLst>
+          </a:custGeom>
+          <a:solidFill>
+            <a:schemeClr val="accent2"/>
+          </a:solidFill>
+          <a:ln w="38100" cap="rnd">
+            <a:solidFill>
+              <a:schemeClr val="accent2"/>
+            </a:solidFill>
+            <a:round/>
+            <a:extLst>
+              <a:ext uri="{C807C97D-BFC1-408E-A445-0C87EB9F89A2}">
+                <ask:lineSketchStyleProps xmlns:ask="http://schemas.microsoft.com/office/drawing/2018/sketchyshapes" sd="1219033472">
+                  <a:prstGeom prst="rect">
+                    <a:avLst/>
+                  </a:prstGeom>
+                  <ask:type>
+                    <ask:lineSketchFreehand/>
+                  </ask:type>
+                </ask:lineSketchStyleProps>
+              </a:ext>
+            </a:extLst>
+          </a:ln>
+        </p:spPr>
+        <p:style>
+          <a:lnRef idx="2">
+            <a:schemeClr val="accent1">
+              <a:shade val="50000"/>
+            </a:schemeClr>
+          </a:lnRef>
+          <a:fillRef idx="1">
+            <a:schemeClr val="accent1"/>
+          </a:fillRef>
+          <a:effectRef idx="0">
+            <a:schemeClr val="accent1"/>
+          </a:effectRef>
+          <a:fontRef idx="minor">
+            <a:schemeClr val="lt1"/>
+          </a:fontRef>
+        </p:style>
+        <p:txBody>
+          <a:bodyPr rtlCol="0" anchor="ctr"/>
+          <a:lstStyle/>
+          <a:p>
+            <a:pPr algn="ctr"/>
+            <a:endParaRPr lang="en-US"/>
+          </a:p>
+        </p:txBody>
+      </p:sp>
+      <p:sp>
+        <p:nvSpPr>
+          <p:cNvPr id="3" name="Content Placeholder 2">
+            <a:extLst>
+              <a:ext uri="{FF2B5EF4-FFF2-40B4-BE49-F238E27FC236}">
+                <a16:creationId xmlns:a16="http://schemas.microsoft.com/office/drawing/2014/main" id="{6EA422DF-B64F-7562-3CAC-68A6D6D0FC03}"/>
+              </a:ext>
+            </a:extLst>
+          </p:cNvPr>
+          <p:cNvSpPr>
+            <a:spLocks noGrp="1"/>
+          </p:cNvSpPr>
+          <p:nvPr>
+            <p:ph idx="1"/>
+          </p:nvPr>
+        </p:nvSpPr>
+        <p:spPr>
+          <a:xfrm>
+            <a:off x="630936" y="2807208"/>
+            <a:ext cx="3429000" cy="3410712"/>
+          </a:xfrm>
+        </p:spPr>
+        <p:txBody>
+          <a:bodyPr anchor="t">
+            <a:normAutofit/>
+          </a:bodyPr>
+          <a:lstStyle/>
+          <a:p>
+            <a:r>
+              <a:rPr lang="en-US" sz="2200" dirty="0"/>
+              <a:t>Here we can see that professors salaries do have an impact on graduate salaries.</a:t>
+            </a:r>
+          </a:p>
+          <a:p>
+            <a:r>
+              <a:rPr lang="en-US" sz="2200" dirty="0"/>
+              <a:t>There is a positive correlation between them.</a:t>
+            </a:r>
+          </a:p>
+        </p:txBody>
+      </p:sp>
+      <p:pic>
+        <p:nvPicPr>
+          <p:cNvPr id="3074" name="Picture 2">
+            <a:extLst>
+              <a:ext uri="{FF2B5EF4-FFF2-40B4-BE49-F238E27FC236}">
+                <a16:creationId xmlns:a16="http://schemas.microsoft.com/office/drawing/2014/main" id="{8886219B-8A6A-BC98-8B92-56BAECB42268}"/>
+              </a:ext>
+            </a:extLst>
+          </p:cNvPr>
+          <p:cNvPicPr>
+            <a:picLocks noChangeAspect="1" noChangeArrowheads="1"/>
+          </p:cNvPicPr>
+          <p:nvPr/>
+        </p:nvPicPr>
+        <p:blipFill>
+          <a:blip r:embed="rId2">
+            <a:extLst>
+              <a:ext uri="{28A0092B-C50C-407E-A947-70E740481C1C}">
+                <a14:useLocalDpi xmlns:a14="http://schemas.microsoft.com/office/drawing/2010/main" val="0"/>
+              </a:ext>
+            </a:extLst>
+          </a:blip>
+          <a:stretch>
+            <a:fillRect/>
+          </a:stretch>
+        </p:blipFill>
+        <p:spPr bwMode="auto">
+          <a:xfrm>
+            <a:off x="4654296" y="831476"/>
+            <a:ext cx="6903720" cy="5195048"/>
+          </a:xfrm>
+          <a:prstGeom prst="rect">
+            <a:avLst/>
+          </a:prstGeom>
+          <a:noFill/>
+          <a:extLst>
+            <a:ext uri="{909E8E84-426E-40DD-AFC4-6F175D3DCCD1}">
+              <a14:hiddenFill xmlns:a14="http://schemas.microsoft.com/office/drawing/2010/main">
+                <a:solidFill>
+                  <a:srgbClr val="FFFFFF"/>
+                </a:solidFill>
+              </a14:hiddenFill>
+            </a:ext>
+          </a:extLst>
+        </p:spPr>
+      </p:pic>
+    </p:spTree>
+    <p:extLst>
+      <p:ext uri="{BB962C8B-B14F-4D97-AF65-F5344CB8AC3E}">
+        <p14:creationId xmlns:p14="http://schemas.microsoft.com/office/powerpoint/2010/main" val="4285942867"/>
+      </p:ext>
+    </p:extLst>
+  </p:cSld>
+  <p:clrMapOvr>
+    <a:masterClrMapping/>
+  </p:clrMapOvr>
+</p:sld>
+</file>
+
+<file path=ppt/slides/slide7.xml><?xml version="1.0" encoding="utf-8"?>
 <p:sld xmlns:a="http://schemas.openxmlformats.org/drawingml/2006/main" xmlns:r="http://schemas.openxmlformats.org/officeDocument/2006/relationships" xmlns:p="http://schemas.openxmlformats.org/presentationml/2006/main">
   <p:cSld>
     <p:spTree>
@@ -6161,7 +7744,7 @@
           <a:p>
             <a:r>
               <a:rPr lang="en-US" dirty="0"/>
-              <a:t>Report – Project 2B</a:t>
+              <a:t>Report – Project 3A</a:t>
             </a:r>
           </a:p>
         </p:txBody>
@@ -6184,39 +7767,87 @@
         </p:nvSpPr>
         <p:spPr/>
         <p:txBody>
-          <a:bodyPr/>
+          <a:bodyPr>
+            <a:normAutofit fontScale="92500" lnSpcReduction="20000"/>
+          </a:bodyPr>
           <a:lstStyle/>
           <a:p>
             <a:r>
               <a:rPr lang="en-US" dirty="0"/>
-              <a:t>I had a number of problems getting this project done</a:t>
+              <a:t>I used a linear regression to predict the salary of graduates after ten years. The features I used for the prediction were:</a:t>
             </a:r>
           </a:p>
           <a:p>
             <a:pPr lvl="1"/>
             <a:r>
               <a:rPr lang="en-US" dirty="0"/>
-              <a:t>My cluster in data Bricks kept shutting down abruptly. This resulted in a long period to restart it.</a:t>
+              <a:t>Admission Rate (%)</a:t>
             </a:r>
           </a:p>
           <a:p>
             <a:pPr lvl="1"/>
             <a:r>
               <a:rPr lang="en-US" dirty="0"/>
-              <a:t>I was ill for several days and left Project 2B to the last. Therefore, I did not get it completed.</a:t>
+              <a:t>Attendance Cost per Academic Year</a:t>
             </a:r>
           </a:p>
           <a:p>
             <a:pPr lvl="1"/>
             <a:r>
               <a:rPr lang="en-US" dirty="0"/>
-              <a:t>I found the SQL language in Spark is </a:t>
-            </a:r>
-            <a:r>
-              <a:rPr lang="en-US"/>
-              <a:t>very capable. </a:t>
-            </a:r>
-            <a:endParaRPr lang="en-US" dirty="0"/>
+              <a:t>Full-time Faculty Rate (%)</a:t>
+            </a:r>
+          </a:p>
+          <a:p>
+            <a:pPr lvl="1"/>
+            <a:r>
+              <a:rPr lang="en-US" dirty="0"/>
+              <a:t>Faculty's average salary per month</a:t>
+            </a:r>
+          </a:p>
+          <a:p>
+            <a:r>
+              <a:rPr lang="en-US" dirty="0"/>
+              <a:t>The result for the training data was:</a:t>
+            </a:r>
+          </a:p>
+          <a:p>
+            <a:pPr lvl="1"/>
+            <a:r>
+              <a:rPr lang="en-US" dirty="0"/>
+              <a:t>8,605.36 for a mean of 50,766.17</a:t>
+            </a:r>
+          </a:p>
+          <a:p>
+            <a:pPr lvl="1"/>
+            <a:r>
+              <a:rPr lang="en-US" dirty="0"/>
+              <a:t>R</a:t>
+            </a:r>
+            <a:r>
+              <a:rPr lang="en-US" baseline="30000" dirty="0"/>
+              <a:t>2 </a:t>
+            </a:r>
+            <a:r>
+              <a:rPr lang="en-US" dirty="0"/>
+              <a:t>of 0.64</a:t>
+            </a:r>
+          </a:p>
+          <a:p>
+            <a:r>
+              <a:rPr lang="en-US" dirty="0"/>
+              <a:t>These features do not seem to be predictive enough.</a:t>
+            </a:r>
+          </a:p>
+          <a:p>
+            <a:r>
+              <a:rPr lang="en-US" dirty="0"/>
+              <a:t>It would be worth looking at alternate features and models to get a better prediction.</a:t>
+            </a:r>
+          </a:p>
+          <a:p>
+            <a:pPr lvl="1"/>
+            <a:endParaRPr lang="en-US" baseline="30000" dirty="0"/>
           </a:p>
         </p:txBody>
       </p:sp>
@@ -6233,7 +7864,129 @@
 </p:sld>
 </file>
 
-<file path=ppt/slides/slide7.xml><?xml version="1.0" encoding="utf-8"?>
+<file path=ppt/slides/slide8.xml><?xml version="1.0" encoding="utf-8"?>
+<p:sld xmlns:a="http://schemas.openxmlformats.org/drawingml/2006/main" xmlns:r="http://schemas.openxmlformats.org/officeDocument/2006/relationships" xmlns:p="http://schemas.openxmlformats.org/presentationml/2006/main">
+  <p:cSld>
+    <p:spTree>
+      <p:nvGrpSpPr>
+        <p:cNvPr id="1" name=""/>
+        <p:cNvGrpSpPr/>
+        <p:nvPr/>
+      </p:nvGrpSpPr>
+      <p:grpSpPr>
+        <a:xfrm>
+          <a:off x="0" y="0"/>
+          <a:ext cx="0" cy="0"/>
+          <a:chOff x="0" y="0"/>
+          <a:chExt cx="0" cy="0"/>
+        </a:xfrm>
+      </p:grpSpPr>
+      <p:sp>
+        <p:nvSpPr>
+          <p:cNvPr id="2" name="Title 1">
+            <a:extLst>
+              <a:ext uri="{FF2B5EF4-FFF2-40B4-BE49-F238E27FC236}">
+                <a16:creationId xmlns:a16="http://schemas.microsoft.com/office/drawing/2014/main" id="{2ACCD902-1770-750A-B150-D8561D76DCC6}"/>
+              </a:ext>
+            </a:extLst>
+          </p:cNvPr>
+          <p:cNvSpPr>
+            <a:spLocks noGrp="1"/>
+          </p:cNvSpPr>
+          <p:nvPr>
+            <p:ph type="title"/>
+          </p:nvPr>
+        </p:nvSpPr>
+        <p:spPr/>
+        <p:txBody>
+          <a:bodyPr/>
+          <a:lstStyle/>
+          <a:p>
+            <a:r>
+              <a:rPr lang="en-US" dirty="0"/>
+              <a:t>Project 3B</a:t>
+            </a:r>
+          </a:p>
+        </p:txBody>
+      </p:sp>
+      <p:sp>
+        <p:nvSpPr>
+          <p:cNvPr id="3" name="Content Placeholder 2">
+            <a:extLst>
+              <a:ext uri="{FF2B5EF4-FFF2-40B4-BE49-F238E27FC236}">
+                <a16:creationId xmlns:a16="http://schemas.microsoft.com/office/drawing/2014/main" id="{FBE2447F-F638-81A0-0F88-A7C93B186B9B}"/>
+              </a:ext>
+            </a:extLst>
+          </p:cNvPr>
+          <p:cNvSpPr>
+            <a:spLocks noGrp="1"/>
+          </p:cNvSpPr>
+          <p:nvPr>
+            <p:ph idx="1"/>
+          </p:nvPr>
+        </p:nvSpPr>
+        <p:spPr/>
+        <p:txBody>
+          <a:bodyPr>
+            <a:normAutofit lnSpcReduction="10000"/>
+          </a:bodyPr>
+          <a:lstStyle/>
+          <a:p>
+            <a:r>
+              <a:rPr lang="en-US" dirty="0"/>
+              <a:t>I was able to learn a lot doing project 3 B but I would not say that it was successful.</a:t>
+            </a:r>
+          </a:p>
+          <a:p>
+            <a:r>
+              <a:rPr lang="en-US" dirty="0"/>
+              <a:t>Taking the examples from class and applying it to the Beats Dataset took some thinking</a:t>
+            </a:r>
+          </a:p>
+          <a:p>
+            <a:pPr lvl="1"/>
+            <a:r>
+              <a:rPr lang="en-US" dirty="0"/>
+              <a:t>The class variable was text but needed to be indexed and then used as the Label – it took me several iterations to get this right</a:t>
+            </a:r>
+          </a:p>
+          <a:p>
+            <a:pPr lvl="1"/>
+            <a:r>
+              <a:rPr lang="en-US" dirty="0"/>
+              <a:t>Performing correlations never worked for me. I could have done it for any two columns. But given that the features did not mean anything to me, I really wanted to run it against every combination of columns.</a:t>
+            </a:r>
+          </a:p>
+          <a:p>
+            <a:pPr lvl="1"/>
+            <a:r>
+              <a:rPr lang="en-US" dirty="0"/>
+              <a:t>Just displaying the summary statistics for each feature took some effort.</a:t>
+            </a:r>
+          </a:p>
+          <a:p>
+            <a:pPr lvl="1"/>
+            <a:r>
+              <a:rPr lang="en-US" dirty="0"/>
+              <a:t>I converted the Decision Tree Regressor to a Decision Tree Classifier and added a Random Forest Classifier. The results were not useful.</a:t>
+            </a:r>
+          </a:p>
+        </p:txBody>
+      </p:sp>
+    </p:spTree>
+    <p:extLst>
+      <p:ext uri="{BB962C8B-B14F-4D97-AF65-F5344CB8AC3E}">
+        <p14:creationId xmlns:p14="http://schemas.microsoft.com/office/powerpoint/2010/main" val="3582168657"/>
+      </p:ext>
+    </p:extLst>
+  </p:cSld>
+  <p:clrMapOvr>
+    <a:masterClrMapping/>
+  </p:clrMapOvr>
+</p:sld>
+</file>
+
+<file path=ppt/slides/slide9.xml><?xml version="1.0" encoding="utf-8"?>
 <p:sld xmlns:a="http://schemas.openxmlformats.org/drawingml/2006/main" xmlns:r="http://schemas.openxmlformats.org/officeDocument/2006/relationships" xmlns:p="http://schemas.openxmlformats.org/presentationml/2006/main">
   <p:cSld>
     <p:bg>
@@ -7244,12 +8997,11 @@
 </file>
 
 <file path=customXml/item1.xml><?xml version="1.0" encoding="utf-8"?>
-<?mso-contentType ?>
-<FormTemplates xmlns="http://schemas.microsoft.com/sharepoint/v3/contenttype/forms">
-  <Display>DocumentLibraryForm</Display>
-  <Edit>DocumentLibraryForm</Edit>
-  <New>DocumentLibraryForm</New>
-</FormTemplates>
+<p:properties xmlns:p="http://schemas.microsoft.com/office/2006/metadata/properties" xmlns:xsi="http://www.w3.org/2001/XMLSchema-instance" xmlns:pc="http://schemas.microsoft.com/office/infopath/2007/PartnerControls">
+  <documentManagement>
+    <MediaServiceKeyPoints xmlns="71af3243-3dd4-4a8d-8c0d-dd76da1f02a5" xsi:nil="true"/>
+  </documentManagement>
+</p:properties>
 </file>
 
 <file path=customXml/item2.xml><?xml version="1.0" encoding="utf-8"?>
@@ -7464,17 +9216,20 @@
 </file>
 
 <file path=customXml/item3.xml><?xml version="1.0" encoding="utf-8"?>
-<p:properties xmlns:p="http://schemas.microsoft.com/office/2006/metadata/properties" xmlns:xsi="http://www.w3.org/2001/XMLSchema-instance" xmlns:pc="http://schemas.microsoft.com/office/infopath/2007/PartnerControls">
-  <documentManagement>
-    <MediaServiceKeyPoints xmlns="71af3243-3dd4-4a8d-8c0d-dd76da1f02a5" xsi:nil="true"/>
-  </documentManagement>
-</p:properties>
+<?mso-contentType ?>
+<FormTemplates xmlns="http://schemas.microsoft.com/sharepoint/v3/contenttype/forms">
+  <Display>DocumentLibraryForm</Display>
+  <Edit>DocumentLibraryForm</Edit>
+  <New>DocumentLibraryForm</New>
+</FormTemplates>
 </file>
 
 <file path=customXml/itemProps1.xml><?xml version="1.0" encoding="utf-8"?>
-<ds:datastoreItem xmlns:ds="http://schemas.openxmlformats.org/officeDocument/2006/customXml" ds:itemID="{2FD05317-60D6-4B3A-8545-888496D1A8EC}">
+<ds:datastoreItem xmlns:ds="http://schemas.openxmlformats.org/officeDocument/2006/customXml" ds:itemID="{EF609EDA-869E-4BE5-AE5D-B898C584B6FF}">
   <ds:schemaRefs>
-    <ds:schemaRef ds:uri="http://schemas.microsoft.com/sharepoint/v3/contenttype/forms"/>
+    <ds:schemaRef ds:uri="http://schemas.microsoft.com/office/2006/metadata/properties"/>
+    <ds:schemaRef ds:uri="http://schemas.microsoft.com/office/infopath/2007/PartnerControls"/>
+    <ds:schemaRef ds:uri="71af3243-3dd4-4a8d-8c0d-dd76da1f02a5"/>
   </ds:schemaRefs>
 </ds:datastoreItem>
 </file>
@@ -7499,11 +9254,9 @@
 </file>
 
 <file path=customXml/itemProps3.xml><?xml version="1.0" encoding="utf-8"?>
-<ds:datastoreItem xmlns:ds="http://schemas.openxmlformats.org/officeDocument/2006/customXml" ds:itemID="{EF609EDA-869E-4BE5-AE5D-B898C584B6FF}">
+<ds:datastoreItem xmlns:ds="http://schemas.openxmlformats.org/officeDocument/2006/customXml" ds:itemID="{2FD05317-60D6-4B3A-8545-888496D1A8EC}">
   <ds:schemaRefs>
-    <ds:schemaRef ds:uri="http://schemas.microsoft.com/office/2006/metadata/properties"/>
-    <ds:schemaRef ds:uri="http://schemas.microsoft.com/office/infopath/2007/PartnerControls"/>
-    <ds:schemaRef ds:uri="71af3243-3dd4-4a8d-8c0d-dd76da1f02a5"/>
+    <ds:schemaRef ds:uri="http://schemas.microsoft.com/sharepoint/v3/contenttype/forms"/>
   </ds:schemaRefs>
 </ds:datastoreItem>
 </file>